--- a/overview-testing.pptx
+++ b/overview-testing.pptx
@@ -5,10 +5,10 @@
     <p:sldMasterId id="2147483935" r:id="rId4"/>
   </p:sldMasterIdLst>
   <p:notesMasterIdLst>
-    <p:notesMasterId r:id="rId15"/>
+    <p:notesMasterId r:id="rId13"/>
   </p:notesMasterIdLst>
   <p:handoutMasterIdLst>
-    <p:handoutMasterId r:id="rId16"/>
+    <p:handoutMasterId r:id="rId14"/>
   </p:handoutMasterIdLst>
   <p:sldIdLst>
     <p:sldId id="318" r:id="rId5"/>
@@ -17,10 +17,8 @@
     <p:sldId id="1822" r:id="rId8"/>
     <p:sldId id="1821" r:id="rId9"/>
     <p:sldId id="279" r:id="rId10"/>
-    <p:sldId id="1847" r:id="rId11"/>
-    <p:sldId id="1848" r:id="rId12"/>
-    <p:sldId id="1845" r:id="rId13"/>
-    <p:sldId id="1859" r:id="rId14"/>
+    <p:sldId id="1845" r:id="rId11"/>
+    <p:sldId id="1859" r:id="rId12"/>
   </p:sldIdLst>
   <p:sldSz cx="12188825" cy="6858000"/>
   <p:notesSz cx="7010400" cy="9296400"/>
@@ -264,7 +262,7 @@
           <a:p>
             <a:fld id="{0B842F42-2CE9-4E35-95C1-410DC08A50B1}" type="datetimeFigureOut">
               <a:rPr lang="en-US" smtClean="0"/>
-              <a:t>4/17/2022</a:t>
+              <a:t>4/26/22</a:t>
             </a:fld>
             <a:endParaRPr lang="en-US"/>
           </a:p>
@@ -429,7 +427,7 @@
           <a:p>
             <a:fld id="{6F282904-F315-4730-8D91-37D99E141A6F}" type="datetimeFigureOut">
               <a:rPr lang="en-US" smtClean="0"/>
-              <a:t>4/17/2022</a:t>
+              <a:t>4/26/22</a:t>
             </a:fld>
             <a:endParaRPr lang="en-US"/>
           </a:p>
@@ -4251,721 +4249,6 @@
 </p:sld>
 </file>
 
-<file path=ppt/slides/slide10.xml><?xml version="1.0" encoding="utf-8"?>
-<p:sld xmlns:a="http://schemas.openxmlformats.org/drawingml/2006/main" xmlns:r="http://schemas.openxmlformats.org/officeDocument/2006/relationships" xmlns:p="http://schemas.openxmlformats.org/presentationml/2006/main">
-  <p:cSld>
-    <p:spTree>
-      <p:nvGrpSpPr>
-        <p:cNvPr id="1" name=""/>
-        <p:cNvGrpSpPr/>
-        <p:nvPr/>
-      </p:nvGrpSpPr>
-      <p:grpSpPr>
-        <a:xfrm>
-          <a:off x="0" y="0"/>
-          <a:ext cx="0" cy="0"/>
-          <a:chOff x="0" y="0"/>
-          <a:chExt cx="0" cy="0"/>
-        </a:xfrm>
-      </p:grpSpPr>
-      <p:sp>
-        <p:nvSpPr>
-          <p:cNvPr id="2" name="Title 1">
-            <a:extLst>
-              <a:ext uri="{FF2B5EF4-FFF2-40B4-BE49-F238E27FC236}">
-                <a16:creationId xmlns:a16="http://schemas.microsoft.com/office/drawing/2014/main" id="{1D6756EE-C2D9-4E52-B0B6-3C831FD6A565}"/>
-              </a:ext>
-            </a:extLst>
-          </p:cNvPr>
-          <p:cNvSpPr>
-            <a:spLocks noGrp="1"/>
-          </p:cNvSpPr>
-          <p:nvPr>
-            <p:ph type="title"/>
-          </p:nvPr>
-        </p:nvSpPr>
-        <p:spPr/>
-        <p:txBody>
-          <a:bodyPr/>
-          <a:lstStyle/>
-          <a:p>
-            <a:r>
-              <a:rPr lang="en-US" dirty="0"/>
-              <a:t>Agenda</a:t>
-            </a:r>
-          </a:p>
-        </p:txBody>
-      </p:sp>
-      <p:graphicFrame>
-        <p:nvGraphicFramePr>
-          <p:cNvPr id="6" name="Table 6">
-            <a:extLst>
-              <a:ext uri="{FF2B5EF4-FFF2-40B4-BE49-F238E27FC236}">
-                <a16:creationId xmlns:a16="http://schemas.microsoft.com/office/drawing/2014/main" id="{99D13FB2-5BF8-4AC0-A13D-ECB8E230F5BC}"/>
-              </a:ext>
-            </a:extLst>
-          </p:cNvPr>
-          <p:cNvGraphicFramePr>
-            <a:graphicFrameLocks noGrp="1"/>
-          </p:cNvGraphicFramePr>
-          <p:nvPr>
-            <p:ph idx="1"/>
-          </p:nvPr>
-        </p:nvGraphicFramePr>
-        <p:xfrm>
-          <a:off x="365759" y="1030431"/>
-          <a:ext cx="11372473" cy="3413760"/>
-        </p:xfrm>
-        <a:graphic>
-          <a:graphicData uri="http://schemas.openxmlformats.org/drawingml/2006/table">
-            <a:tbl>
-              <a:tblPr firstRow="1" bandRow="1">
-                <a:tableStyleId>{5C22544A-7EE6-4342-B048-85BDC9FD1C3A}</a:tableStyleId>
-              </a:tblPr>
-              <a:tblGrid>
-                <a:gridCol w="1475653">
-                  <a:extLst>
-                    <a:ext uri="{9D8B030D-6E8A-4147-A177-3AD203B41FA5}">
-                      <a16:colId xmlns:a16="http://schemas.microsoft.com/office/drawing/2014/main" val="41390910"/>
-                    </a:ext>
-                  </a:extLst>
-                </a:gridCol>
-                <a:gridCol w="1059443">
-                  <a:extLst>
-                    <a:ext uri="{9D8B030D-6E8A-4147-A177-3AD203B41FA5}">
-                      <a16:colId xmlns:a16="http://schemas.microsoft.com/office/drawing/2014/main" val="2968622667"/>
-                    </a:ext>
-                  </a:extLst>
-                </a:gridCol>
-                <a:gridCol w="5757567">
-                  <a:extLst>
-                    <a:ext uri="{9D8B030D-6E8A-4147-A177-3AD203B41FA5}">
-                      <a16:colId xmlns:a16="http://schemas.microsoft.com/office/drawing/2014/main" val="1261297711"/>
-                    </a:ext>
-                  </a:extLst>
-                </a:gridCol>
-                <a:gridCol w="3079810">
-                  <a:extLst>
-                    <a:ext uri="{9D8B030D-6E8A-4147-A177-3AD203B41FA5}">
-                      <a16:colId xmlns:a16="http://schemas.microsoft.com/office/drawing/2014/main" val="3622604584"/>
-                    </a:ext>
-                  </a:extLst>
-                </a:gridCol>
-              </a:tblGrid>
-              <a:tr h="370840">
-                <a:tc>
-                  <a:txBody>
-                    <a:bodyPr/>
-                    <a:lstStyle/>
-                    <a:p>
-                      <a:pPr algn="r"/>
-                      <a:r>
-                        <a:rPr lang="en-US" sz="1800" dirty="0">
-                          <a:effectLst/>
-                        </a:rPr>
-                        <a:t>Time (EDT)</a:t>
-                      </a:r>
-                    </a:p>
-                  </a:txBody>
-                  <a:tcPr marL="114300" marR="114300" marT="76200" marB="76200" anchor="ctr"/>
-                </a:tc>
-                <a:tc>
-                  <a:txBody>
-                    <a:bodyPr/>
-                    <a:lstStyle/>
-                    <a:p>
-                      <a:pPr algn="r"/>
-                      <a:r>
-                        <a:rPr lang="en-US" sz="1800" dirty="0">
-                          <a:effectLst/>
-                        </a:rPr>
-                        <a:t>Module</a:t>
-                      </a:r>
-                    </a:p>
-                  </a:txBody>
-                  <a:tcPr marL="114300" marR="114300" marT="76200" marB="76200" anchor="ctr"/>
-                </a:tc>
-                <a:tc>
-                  <a:txBody>
-                    <a:bodyPr/>
-                    <a:lstStyle/>
-                    <a:p>
-                      <a:r>
-                        <a:rPr lang="en-US" sz="1800" dirty="0">
-                          <a:effectLst/>
-                        </a:rPr>
-                        <a:t>Title</a:t>
-                      </a:r>
-                    </a:p>
-                  </a:txBody>
-                  <a:tcPr marL="114300" marR="114300" marT="76200" marB="76200" anchor="ctr"/>
-                </a:tc>
-                <a:tc>
-                  <a:txBody>
-                    <a:bodyPr/>
-                    <a:lstStyle/>
-                    <a:p>
-                      <a:r>
-                        <a:rPr lang="en-US" sz="1800" dirty="0">
-                          <a:effectLst/>
-                        </a:rPr>
-                        <a:t>Presenter</a:t>
-                      </a:r>
-                    </a:p>
-                  </a:txBody>
-                  <a:tcPr marL="114300" marR="114300" marT="76200" marB="76200" anchor="ctr"/>
-                </a:tc>
-                <a:extLst>
-                  <a:ext uri="{0D108BD9-81ED-4DB2-BD59-A6C34878D82A}">
-                    <a16:rowId xmlns:a16="http://schemas.microsoft.com/office/drawing/2014/main" val="2098024418"/>
-                  </a:ext>
-                </a:extLst>
-              </a:tr>
-              <a:tr h="370840">
-                <a:tc>
-                  <a:txBody>
-                    <a:bodyPr/>
-                    <a:lstStyle/>
-                    <a:p>
-                      <a:pPr algn="r"/>
-                      <a:r>
-                        <a:rPr lang="en-US" dirty="0">
-                          <a:effectLst/>
-                        </a:rPr>
-                        <a:t>2:30 PM</a:t>
-                      </a:r>
-                    </a:p>
-                  </a:txBody>
-                  <a:tcPr marL="114300" marR="114300" marT="76200" marB="76200" anchor="ctr"/>
-                </a:tc>
-                <a:tc>
-                  <a:txBody>
-                    <a:bodyPr/>
-                    <a:lstStyle/>
-                    <a:p>
-                      <a:pPr algn="r"/>
-                      <a:r>
-                        <a:rPr lang="en-US">
-                          <a:effectLst/>
-                        </a:rPr>
-                        <a:t>0</a:t>
-                      </a:r>
-                    </a:p>
-                  </a:txBody>
-                  <a:tcPr marL="114300" marR="114300" marT="76200" marB="76200" anchor="ctr"/>
-                </a:tc>
-                <a:tc>
-                  <a:txBody>
-                    <a:bodyPr/>
-                    <a:lstStyle/>
-                    <a:p>
-                      <a:r>
-                        <a:rPr lang="en-US">
-                          <a:effectLst/>
-                        </a:rPr>
-                        <a:t>Introduction and Setup</a:t>
-                      </a:r>
-                    </a:p>
-                  </a:txBody>
-                  <a:tcPr marL="114300" marR="114300" marT="76200" marB="76200" anchor="ctr"/>
-                </a:tc>
-                <a:tc>
-                  <a:txBody>
-                    <a:bodyPr/>
-                    <a:lstStyle/>
-                    <a:p>
-                      <a:r>
-                        <a:rPr lang="en-US" dirty="0">
-                          <a:effectLst/>
-                        </a:rPr>
-                        <a:t>Gregory R. Watson (ORNL)</a:t>
-                      </a:r>
-                    </a:p>
-                  </a:txBody>
-                  <a:tcPr marL="114300" marR="114300" marT="76200" marB="76200" anchor="ctr"/>
-                </a:tc>
-                <a:extLst>
-                  <a:ext uri="{0D108BD9-81ED-4DB2-BD59-A6C34878D82A}">
-                    <a16:rowId xmlns:a16="http://schemas.microsoft.com/office/drawing/2014/main" val="4095277928"/>
-                  </a:ext>
-                </a:extLst>
-              </a:tr>
-              <a:tr h="370840">
-                <a:tc>
-                  <a:txBody>
-                    <a:bodyPr/>
-                    <a:lstStyle/>
-                    <a:p>
-                      <a:pPr algn="r"/>
-                      <a:r>
-                        <a:rPr lang="en-US">
-                          <a:effectLst/>
-                        </a:rPr>
-                        <a:t>2:35 PM</a:t>
-                      </a:r>
-                    </a:p>
-                  </a:txBody>
-                  <a:tcPr marL="114300" marR="114300" marT="76200" marB="76200" anchor="ctr"/>
-                </a:tc>
-                <a:tc>
-                  <a:txBody>
-                    <a:bodyPr/>
-                    <a:lstStyle/>
-                    <a:p>
-                      <a:pPr algn="r"/>
-                      <a:r>
-                        <a:rPr lang="en-US">
-                          <a:effectLst/>
-                        </a:rPr>
-                        <a:t>1</a:t>
-                      </a:r>
-                    </a:p>
-                  </a:txBody>
-                  <a:tcPr marL="114300" marR="114300" marT="76200" marB="76200" anchor="ctr"/>
-                </a:tc>
-                <a:tc>
-                  <a:txBody>
-                    <a:bodyPr/>
-                    <a:lstStyle/>
-                    <a:p>
-                      <a:r>
-                        <a:rPr lang="en-US">
-                          <a:effectLst/>
-                        </a:rPr>
-                        <a:t>Motivation and Overview</a:t>
-                      </a:r>
-                    </a:p>
-                  </a:txBody>
-                  <a:tcPr marL="114300" marR="114300" marT="76200" marB="76200" anchor="ctr"/>
-                </a:tc>
-                <a:tc>
-                  <a:txBody>
-                    <a:bodyPr/>
-                    <a:lstStyle/>
-                    <a:p>
-                      <a:r>
-                        <a:rPr lang="en-US">
-                          <a:effectLst/>
-                        </a:rPr>
-                        <a:t>Gregory R. Watson (ORNL)</a:t>
-                      </a:r>
-                    </a:p>
-                  </a:txBody>
-                  <a:tcPr marL="114300" marR="114300" marT="76200" marB="76200" anchor="ctr"/>
-                </a:tc>
-                <a:extLst>
-                  <a:ext uri="{0D108BD9-81ED-4DB2-BD59-A6C34878D82A}">
-                    <a16:rowId xmlns:a16="http://schemas.microsoft.com/office/drawing/2014/main" val="763903436"/>
-                  </a:ext>
-                </a:extLst>
-              </a:tr>
-              <a:tr h="370840">
-                <a:tc>
-                  <a:txBody>
-                    <a:bodyPr/>
-                    <a:lstStyle/>
-                    <a:p>
-                      <a:pPr algn="r"/>
-                      <a:r>
-                        <a:rPr lang="en-US">
-                          <a:effectLst/>
-                        </a:rPr>
-                        <a:t>2:40 PM</a:t>
-                      </a:r>
-                    </a:p>
-                  </a:txBody>
-                  <a:tcPr marL="114300" marR="114300" marT="76200" marB="76200" anchor="ctr"/>
-                </a:tc>
-                <a:tc>
-                  <a:txBody>
-                    <a:bodyPr/>
-                    <a:lstStyle/>
-                    <a:p>
-                      <a:pPr algn="r"/>
-                      <a:r>
-                        <a:rPr lang="en-US">
-                          <a:effectLst/>
-                        </a:rPr>
-                        <a:t>2</a:t>
-                      </a:r>
-                    </a:p>
-                  </a:txBody>
-                  <a:tcPr marL="114300" marR="114300" marT="76200" marB="76200" anchor="ctr"/>
-                </a:tc>
-                <a:tc>
-                  <a:txBody>
-                    <a:bodyPr/>
-                    <a:lstStyle/>
-                    <a:p>
-                      <a:r>
-                        <a:rPr lang="en-US">
-                          <a:effectLst/>
-                        </a:rPr>
-                        <a:t>Software Testing Introduction</a:t>
-                      </a:r>
-                    </a:p>
-                  </a:txBody>
-                  <a:tcPr marL="114300" marR="114300" marT="76200" marB="76200" anchor="ctr"/>
-                </a:tc>
-                <a:tc>
-                  <a:txBody>
-                    <a:bodyPr/>
-                    <a:lstStyle/>
-                    <a:p>
-                      <a:r>
-                        <a:rPr lang="en-US">
-                          <a:effectLst/>
-                        </a:rPr>
-                        <a:t>Gregory R. Watson (ORNL)</a:t>
-                      </a:r>
-                    </a:p>
-                  </a:txBody>
-                  <a:tcPr marL="114300" marR="114300" marT="76200" marB="76200" anchor="ctr"/>
-                </a:tc>
-                <a:extLst>
-                  <a:ext uri="{0D108BD9-81ED-4DB2-BD59-A6C34878D82A}">
-                    <a16:rowId xmlns:a16="http://schemas.microsoft.com/office/drawing/2014/main" val="1954771440"/>
-                  </a:ext>
-                </a:extLst>
-              </a:tr>
-              <a:tr h="370840">
-                <a:tc>
-                  <a:txBody>
-                    <a:bodyPr/>
-                    <a:lstStyle/>
-                    <a:p>
-                      <a:pPr algn="r"/>
-                      <a:r>
-                        <a:rPr lang="en-US">
-                          <a:effectLst/>
-                        </a:rPr>
-                        <a:t>3:00 PM</a:t>
-                      </a:r>
-                    </a:p>
-                  </a:txBody>
-                  <a:tcPr marL="114300" marR="114300" marT="76200" marB="76200" anchor="ctr"/>
-                </a:tc>
-                <a:tc>
-                  <a:txBody>
-                    <a:bodyPr/>
-                    <a:lstStyle/>
-                    <a:p>
-                      <a:pPr algn="r"/>
-                      <a:r>
-                        <a:rPr lang="en-US">
-                          <a:effectLst/>
-                        </a:rPr>
-                        <a:t>3</a:t>
-                      </a:r>
-                    </a:p>
-                  </a:txBody>
-                  <a:tcPr marL="114300" marR="114300" marT="76200" marB="76200" anchor="ctr"/>
-                </a:tc>
-                <a:tc>
-                  <a:txBody>
-                    <a:bodyPr/>
-                    <a:lstStyle/>
-                    <a:p>
-                      <a:r>
-                        <a:rPr lang="en-US">
-                          <a:effectLst/>
-                        </a:rPr>
-                        <a:t>Testing Complex Software</a:t>
-                      </a:r>
-                    </a:p>
-                  </a:txBody>
-                  <a:tcPr marL="114300" marR="114300" marT="76200" marB="76200" anchor="ctr"/>
-                </a:tc>
-                <a:tc>
-                  <a:txBody>
-                    <a:bodyPr/>
-                    <a:lstStyle/>
-                    <a:p>
-                      <a:r>
-                        <a:rPr lang="en-US">
-                          <a:effectLst/>
-                        </a:rPr>
-                        <a:t>David M. Rogers (ORNL)</a:t>
-                      </a:r>
-                    </a:p>
-                  </a:txBody>
-                  <a:tcPr marL="114300" marR="114300" marT="76200" marB="76200" anchor="ctr"/>
-                </a:tc>
-                <a:extLst>
-                  <a:ext uri="{0D108BD9-81ED-4DB2-BD59-A6C34878D82A}">
-                    <a16:rowId xmlns:a16="http://schemas.microsoft.com/office/drawing/2014/main" val="746396693"/>
-                  </a:ext>
-                </a:extLst>
-              </a:tr>
-              <a:tr h="370840">
-                <a:tc>
-                  <a:txBody>
-                    <a:bodyPr/>
-                    <a:lstStyle/>
-                    <a:p>
-                      <a:pPr algn="r"/>
-                      <a:r>
-                        <a:rPr lang="en-US">
-                          <a:effectLst/>
-                        </a:rPr>
-                        <a:t>3:25 PM</a:t>
-                      </a:r>
-                    </a:p>
-                  </a:txBody>
-                  <a:tcPr marL="114300" marR="114300" marT="76200" marB="76200" anchor="ctr"/>
-                </a:tc>
-                <a:tc>
-                  <a:txBody>
-                    <a:bodyPr/>
-                    <a:lstStyle/>
-                    <a:p>
-                      <a:pPr algn="r"/>
-                      <a:r>
-                        <a:rPr lang="en-US">
-                          <a:effectLst/>
-                        </a:rPr>
-                        <a:t>4</a:t>
-                      </a:r>
-                    </a:p>
-                  </a:txBody>
-                  <a:tcPr marL="114300" marR="114300" marT="76200" marB="76200" anchor="ctr"/>
-                </a:tc>
-                <a:tc>
-                  <a:txBody>
-                    <a:bodyPr/>
-                    <a:lstStyle/>
-                    <a:p>
-                      <a:r>
-                        <a:rPr lang="en-US">
-                          <a:effectLst/>
-                        </a:rPr>
-                        <a:t>Continuous Integration</a:t>
-                      </a:r>
-                    </a:p>
-                  </a:txBody>
-                  <a:tcPr marL="114300" marR="114300" marT="76200" marB="76200" anchor="ctr"/>
-                </a:tc>
-                <a:tc>
-                  <a:txBody>
-                    <a:bodyPr/>
-                    <a:lstStyle/>
-                    <a:p>
-                      <a:r>
-                        <a:rPr lang="en-US">
-                          <a:effectLst/>
-                        </a:rPr>
-                        <a:t>David M. Rogers (ORNL)</a:t>
-                      </a:r>
-                    </a:p>
-                  </a:txBody>
-                  <a:tcPr marL="114300" marR="114300" marT="76200" marB="76200" anchor="ctr"/>
-                </a:tc>
-                <a:extLst>
-                  <a:ext uri="{0D108BD9-81ED-4DB2-BD59-A6C34878D82A}">
-                    <a16:rowId xmlns:a16="http://schemas.microsoft.com/office/drawing/2014/main" val="1592907298"/>
-                  </a:ext>
-                </a:extLst>
-              </a:tr>
-              <a:tr h="370840">
-                <a:tc>
-                  <a:txBody>
-                    <a:bodyPr/>
-                    <a:lstStyle/>
-                    <a:p>
-                      <a:pPr algn="r"/>
-                      <a:r>
-                        <a:rPr lang="en-US">
-                          <a:effectLst/>
-                        </a:rPr>
-                        <a:t>3:55 PM</a:t>
-                      </a:r>
-                    </a:p>
-                  </a:txBody>
-                  <a:tcPr marL="114300" marR="114300" marT="76200" marB="76200" anchor="ctr"/>
-                </a:tc>
-                <a:tc>
-                  <a:txBody>
-                    <a:bodyPr/>
-                    <a:lstStyle/>
-                    <a:p>
-                      <a:pPr algn="r"/>
-                      <a:r>
-                        <a:rPr lang="en-US">
-                          <a:effectLst/>
-                        </a:rPr>
-                        <a:t>5</a:t>
-                      </a:r>
-                    </a:p>
-                  </a:txBody>
-                  <a:tcPr marL="114300" marR="114300" marT="76200" marB="76200" anchor="ctr"/>
-                </a:tc>
-                <a:tc>
-                  <a:txBody>
-                    <a:bodyPr/>
-                    <a:lstStyle/>
-                    <a:p>
-                      <a:r>
-                        <a:rPr lang="en-US">
-                          <a:effectLst/>
-                        </a:rPr>
-                        <a:t>Summary</a:t>
-                      </a:r>
-                    </a:p>
-                  </a:txBody>
-                  <a:tcPr marL="114300" marR="114300" marT="76200" marB="76200" anchor="ctr"/>
-                </a:tc>
-                <a:tc>
-                  <a:txBody>
-                    <a:bodyPr/>
-                    <a:lstStyle/>
-                    <a:p>
-                      <a:r>
-                        <a:rPr lang="en-US">
-                          <a:effectLst/>
-                        </a:rPr>
-                        <a:t>David M. Rogers (ORNL)</a:t>
-                      </a:r>
-                    </a:p>
-                  </a:txBody>
-                  <a:tcPr marL="114300" marR="114300" marT="76200" marB="76200" anchor="ctr"/>
-                </a:tc>
-                <a:extLst>
-                  <a:ext uri="{0D108BD9-81ED-4DB2-BD59-A6C34878D82A}">
-                    <a16:rowId xmlns:a16="http://schemas.microsoft.com/office/drawing/2014/main" val="110245607"/>
-                  </a:ext>
-                </a:extLst>
-              </a:tr>
-              <a:tr h="370840">
-                <a:tc>
-                  <a:txBody>
-                    <a:bodyPr/>
-                    <a:lstStyle/>
-                    <a:p>
-                      <a:pPr algn="r"/>
-                      <a:r>
-                        <a:rPr lang="en-US">
-                          <a:effectLst/>
-                        </a:rPr>
-                        <a:t>4:00 PM</a:t>
-                      </a:r>
-                    </a:p>
-                  </a:txBody>
-                  <a:tcPr marL="114300" marR="114300" marT="76200" marB="76200" anchor="ctr"/>
-                </a:tc>
-                <a:tc>
-                  <a:txBody>
-                    <a:bodyPr/>
-                    <a:lstStyle/>
-                    <a:p>
-                      <a:pPr algn="r"/>
-                      <a:endParaRPr lang="en-US">
-                        <a:effectLst/>
-                      </a:endParaRPr>
-                    </a:p>
-                  </a:txBody>
-                  <a:tcPr marL="114300" marR="114300" marT="76200" marB="76200" anchor="ctr"/>
-                </a:tc>
-                <a:tc>
-                  <a:txBody>
-                    <a:bodyPr/>
-                    <a:lstStyle/>
-                    <a:p>
-                      <a:r>
-                        <a:rPr lang="en-US" i="1">
-                          <a:effectLst/>
-                        </a:rPr>
-                        <a:t>Adjourn</a:t>
-                      </a:r>
-                      <a:endParaRPr lang="en-US">
-                        <a:effectLst/>
-                      </a:endParaRPr>
-                    </a:p>
-                  </a:txBody>
-                  <a:tcPr marL="114300" marR="114300" marT="76200" marB="76200" anchor="ctr"/>
-                </a:tc>
-                <a:tc>
-                  <a:txBody>
-                    <a:bodyPr/>
-                    <a:lstStyle/>
-                    <a:p>
-                      <a:endParaRPr lang="en-US" dirty="0"/>
-                    </a:p>
-                  </a:txBody>
-                  <a:tcPr/>
-                </a:tc>
-                <a:extLst>
-                  <a:ext uri="{0D108BD9-81ED-4DB2-BD59-A6C34878D82A}">
-                    <a16:rowId xmlns:a16="http://schemas.microsoft.com/office/drawing/2014/main" val="1951011699"/>
-                  </a:ext>
-                </a:extLst>
-              </a:tr>
-            </a:tbl>
-          </a:graphicData>
-        </a:graphic>
-      </p:graphicFrame>
-      <p:sp>
-        <p:nvSpPr>
-          <p:cNvPr id="9" name="TextBox 8">
-            <a:extLst>
-              <a:ext uri="{FF2B5EF4-FFF2-40B4-BE49-F238E27FC236}">
-                <a16:creationId xmlns:a16="http://schemas.microsoft.com/office/drawing/2014/main" id="{2C67F121-FA5A-4323-B777-FC3438185944}"/>
-              </a:ext>
-            </a:extLst>
-          </p:cNvPr>
-          <p:cNvSpPr txBox="1"/>
-          <p:nvPr/>
-        </p:nvSpPr>
-        <p:spPr>
-          <a:xfrm>
-            <a:off x="6520617" y="0"/>
-            <a:ext cx="5668207" cy="923330"/>
-          </a:xfrm>
-          <a:prstGeom prst="rect">
-            <a:avLst/>
-          </a:prstGeom>
-          <a:noFill/>
-        </p:spPr>
-        <p:txBody>
-          <a:bodyPr wrap="square">
-            <a:spAutoFit/>
-          </a:bodyPr>
-          <a:lstStyle/>
-          <a:p>
-            <a:pPr algn="l"/>
-            <a:r>
-              <a:rPr lang="en-US" dirty="0"/>
-              <a:t>The agenda is also available on the tutorial web page.  Visit </a:t>
-            </a:r>
-            <a:r>
-              <a:rPr lang="en-US" b="1" dirty="0">
-                <a:hlinkClick r:id="rId2"/>
-              </a:rPr>
-              <a:t>https://bssw-tutorial.github.io</a:t>
-            </a:r>
-            <a:r>
-              <a:rPr lang="en-US" b="1" dirty="0"/>
-              <a:t> </a:t>
-            </a:r>
-            <a:r>
-              <a:rPr lang="en-US" dirty="0"/>
-              <a:t>and click on the link for today’s tutorial</a:t>
-            </a:r>
-          </a:p>
-        </p:txBody>
-      </p:sp>
-    </p:spTree>
-    <p:extLst>
-      <p:ext uri="{BB962C8B-B14F-4D97-AF65-F5344CB8AC3E}">
-        <p14:creationId xmlns:p14="http://schemas.microsoft.com/office/powerpoint/2010/main" val="880627419"/>
-      </p:ext>
-    </p:extLst>
-  </p:cSld>
-  <p:clrMapOvr>
-    <a:masterClrMapping/>
-  </p:clrMapOvr>
-</p:sld>
-</file>
-
 <file path=ppt/slides/slide2.xml><?xml version="1.0" encoding="utf-8"?>
 <p:sld xmlns:a="http://schemas.openxmlformats.org/drawingml/2006/main" xmlns:r="http://schemas.openxmlformats.org/officeDocument/2006/relationships" xmlns:p="http://schemas.openxmlformats.org/presentationml/2006/main">
   <p:cSld>
@@ -6250,1037 +5533,6 @@
 </file>
 
 <file path=ppt/slides/slide7.xml><?xml version="1.0" encoding="utf-8"?>
-<p:sld xmlns:a="http://schemas.openxmlformats.org/drawingml/2006/main" xmlns:r="http://schemas.openxmlformats.org/officeDocument/2006/relationships" xmlns:p="http://schemas.openxmlformats.org/presentationml/2006/main">
-  <p:cSld>
-    <p:spTree>
-      <p:nvGrpSpPr>
-        <p:cNvPr id="1" name=""/>
-        <p:cNvGrpSpPr/>
-        <p:nvPr/>
-      </p:nvGrpSpPr>
-      <p:grpSpPr>
-        <a:xfrm>
-          <a:off x="0" y="0"/>
-          <a:ext cx="0" cy="0"/>
-          <a:chOff x="0" y="0"/>
-          <a:chExt cx="0" cy="0"/>
-        </a:xfrm>
-      </p:grpSpPr>
-      <p:sp>
-        <p:nvSpPr>
-          <p:cNvPr id="7" name="Title 6">
-            <a:extLst>
-              <a:ext uri="{FF2B5EF4-FFF2-40B4-BE49-F238E27FC236}">
-                <a16:creationId xmlns:a16="http://schemas.microsoft.com/office/drawing/2014/main" id="{8B4C33BE-BAA5-472B-B745-4FECD70E6807}"/>
-              </a:ext>
-            </a:extLst>
-          </p:cNvPr>
-          <p:cNvSpPr>
-            <a:spLocks noGrp="1"/>
-          </p:cNvSpPr>
-          <p:nvPr>
-            <p:ph type="title"/>
-          </p:nvPr>
-        </p:nvSpPr>
-        <p:spPr/>
-        <p:txBody>
-          <a:bodyPr/>
-          <a:lstStyle/>
-          <a:p>
-            <a:r>
-              <a:rPr lang="en-US" dirty="0"/>
-              <a:t>General Categories of Testing</a:t>
-            </a:r>
-          </a:p>
-        </p:txBody>
-      </p:sp>
-      <p:sp>
-        <p:nvSpPr>
-          <p:cNvPr id="8" name="Content Placeholder 7">
-            <a:extLst>
-              <a:ext uri="{FF2B5EF4-FFF2-40B4-BE49-F238E27FC236}">
-                <a16:creationId xmlns:a16="http://schemas.microsoft.com/office/drawing/2014/main" id="{0C9AC005-FC04-4E65-A7E0-959BACEA39EA}"/>
-              </a:ext>
-            </a:extLst>
-          </p:cNvPr>
-          <p:cNvSpPr>
-            <a:spLocks noGrp="1"/>
-          </p:cNvSpPr>
-          <p:nvPr>
-            <p:ph sz="half" idx="2"/>
-          </p:nvPr>
-        </p:nvSpPr>
-        <p:spPr>
-          <a:xfrm>
-            <a:off x="457200" y="1246860"/>
-            <a:ext cx="5588582" cy="3373229"/>
-          </a:xfrm>
-          <a:ln>
-            <a:noFill/>
-          </a:ln>
-        </p:spPr>
-        <p:txBody>
-          <a:bodyPr/>
-          <a:lstStyle/>
-          <a:p>
-            <a:r>
-              <a:rPr lang="en-US" dirty="0"/>
-              <a:t>Development tests</a:t>
-            </a:r>
-          </a:p>
-          <a:p>
-            <a:pPr lvl="1">
-              <a:spcBef>
-                <a:spcPts val="200"/>
-              </a:spcBef>
-            </a:pPr>
-            <a:r>
-              <a:rPr lang="en-US" dirty="0"/>
-              <a:t>Tests run to protect stability while making changes to the code</a:t>
-            </a:r>
-          </a:p>
-          <a:p>
-            <a:pPr lvl="1">
-              <a:spcBef>
-                <a:spcPts val="200"/>
-              </a:spcBef>
-            </a:pPr>
-            <a:r>
-              <a:rPr lang="en-US" dirty="0"/>
-              <a:t>Can include: unit, functional, integration, system, regression, verification, performance, etc.</a:t>
-            </a:r>
-          </a:p>
-          <a:p>
-            <a:r>
-              <a:rPr lang="en-US" dirty="0"/>
-              <a:t>Post-installation “smoke” tests</a:t>
-            </a:r>
-          </a:p>
-          <a:p>
-            <a:pPr lvl="1">
-              <a:spcBef>
-                <a:spcPts val="200"/>
-              </a:spcBef>
-            </a:pPr>
-            <a:r>
-              <a:rPr lang="en-US" dirty="0"/>
-              <a:t>Simple tests to ensure the build/install process has succeeded</a:t>
-            </a:r>
-          </a:p>
-          <a:p>
-            <a:pPr lvl="1">
-              <a:spcBef>
-                <a:spcPts val="200"/>
-              </a:spcBef>
-            </a:pPr>
-            <a:r>
-              <a:rPr lang="en-US" dirty="0"/>
-              <a:t>Typically take only a few minutes</a:t>
-            </a:r>
-          </a:p>
-          <a:p>
-            <a:pPr lvl="1">
-              <a:spcBef>
-                <a:spcPts val="200"/>
-              </a:spcBef>
-            </a:pPr>
-            <a:r>
-              <a:rPr lang="en-US" dirty="0"/>
-              <a:t>Could be a </a:t>
-            </a:r>
-            <a:r>
-              <a:rPr lang="en-US" i="1" dirty="0"/>
-              <a:t>subset</a:t>
-            </a:r>
-            <a:r>
-              <a:rPr lang="en-US" dirty="0"/>
-              <a:t> of development tests</a:t>
-            </a:r>
-          </a:p>
-          <a:p>
-            <a:r>
-              <a:rPr lang="en-US" dirty="0"/>
-              <a:t>Continuous integration tests</a:t>
-            </a:r>
-          </a:p>
-          <a:p>
-            <a:pPr lvl="1">
-              <a:spcBef>
-                <a:spcPts val="200"/>
-              </a:spcBef>
-            </a:pPr>
-            <a:r>
-              <a:rPr lang="en-US" dirty="0"/>
-              <a:t>Rapid feedback aimed at preventing changes from breaking key branches of the code</a:t>
-            </a:r>
-          </a:p>
-          <a:p>
-            <a:pPr lvl="1">
-              <a:spcBef>
-                <a:spcPts val="200"/>
-              </a:spcBef>
-            </a:pPr>
-            <a:r>
-              <a:rPr lang="en-US" dirty="0"/>
-              <a:t>Run quickly, fail fast, catch problems that would impact other developers</a:t>
-            </a:r>
-          </a:p>
-          <a:p>
-            <a:pPr lvl="1">
-              <a:spcBef>
-                <a:spcPts val="200"/>
-              </a:spcBef>
-            </a:pPr>
-            <a:r>
-              <a:rPr lang="en-US" dirty="0"/>
-              <a:t>Usually associated with automation</a:t>
-            </a:r>
-          </a:p>
-        </p:txBody>
-      </p:sp>
-      <p:pic>
-        <p:nvPicPr>
-          <p:cNvPr id="15" name="Graphic 14">
-            <a:extLst>
-              <a:ext uri="{FF2B5EF4-FFF2-40B4-BE49-F238E27FC236}">
-                <a16:creationId xmlns:a16="http://schemas.microsoft.com/office/drawing/2014/main" id="{48348B29-B8EC-4619-B2C3-CBDC1073488D}"/>
-              </a:ext>
-            </a:extLst>
-          </p:cNvPr>
-          <p:cNvPicPr>
-            <a:picLocks noChangeAspect="1"/>
-          </p:cNvPicPr>
-          <p:nvPr/>
-        </p:nvPicPr>
-        <p:blipFill>
-          <a:blip r:embed="rId2">
-            <a:lum/>
-            <a:alphaModFix/>
-            <a:extLst>
-              <a:ext uri="{96DAC541-7B7A-43D3-8B79-37D633B846F1}">
-                <asvg:svgBlip xmlns:asvg="http://schemas.microsoft.com/office/drawing/2016/SVG/main" r:embed="rId3"/>
-              </a:ext>
-            </a:extLst>
-          </a:blip>
-          <a:srcRect/>
-          <a:stretch>
-            <a:fillRect/>
-          </a:stretch>
-        </p:blipFill>
-        <p:spPr>
-          <a:xfrm>
-            <a:off x="7114928" y="2205763"/>
-            <a:ext cx="4020840" cy="2743199"/>
-          </a:xfrm>
-          <a:prstGeom prst="rect">
-            <a:avLst/>
-          </a:prstGeom>
-          <a:noFill/>
-          <a:ln>
-            <a:noFill/>
-          </a:ln>
-        </p:spPr>
-      </p:pic>
-      <p:sp>
-        <p:nvSpPr>
-          <p:cNvPr id="16" name="TextBox 15">
-            <a:extLst>
-              <a:ext uri="{FF2B5EF4-FFF2-40B4-BE49-F238E27FC236}">
-                <a16:creationId xmlns:a16="http://schemas.microsoft.com/office/drawing/2014/main" id="{C7187C4F-04AB-4BF8-9C35-98A97B90560C}"/>
-              </a:ext>
-            </a:extLst>
-          </p:cNvPr>
-          <p:cNvSpPr txBox="1"/>
-          <p:nvPr/>
-        </p:nvSpPr>
-        <p:spPr>
-          <a:xfrm>
-            <a:off x="8575447" y="4400323"/>
-            <a:ext cx="1097280" cy="346320"/>
-          </a:xfrm>
-          <a:prstGeom prst="rect">
-            <a:avLst/>
-          </a:prstGeom>
-          <a:noFill/>
-          <a:ln>
-            <a:noFill/>
-          </a:ln>
-        </p:spPr>
-        <p:txBody>
-          <a:bodyPr vert="horz" wrap="none" lIns="90000" tIns="45000" rIns="90000" bIns="45000" anchorCtr="0" compatLnSpc="0">
-            <a:spAutoFit/>
-          </a:bodyPr>
-          <a:lstStyle/>
-          <a:p>
-            <a:pPr marL="0" marR="0" lvl="0" indent="0" rtl="0" hangingPunct="0">
-              <a:lnSpc>
-                <a:spcPct val="100000"/>
-              </a:lnSpc>
-              <a:spcBef>
-                <a:spcPts val="0"/>
-              </a:spcBef>
-              <a:spcAft>
-                <a:spcPts val="0"/>
-              </a:spcAft>
-              <a:buNone/>
-              <a:tabLst/>
-            </a:pPr>
-            <a:r>
-              <a:rPr lang="en-US" sz="1800" b="0" i="0" u="none" strike="noStrike" kern="1200" cap="none">
-                <a:ln>
-                  <a:noFill/>
-                </a:ln>
-                <a:latin typeface="Liberation Sans" pitchFamily="18"/>
-                <a:ea typeface="Noto Sans CJK SC" pitchFamily="2"/>
-                <a:cs typeface="Lohit Devanagari" pitchFamily="2"/>
-              </a:rPr>
-              <a:t>unit tests</a:t>
-            </a:r>
-          </a:p>
-        </p:txBody>
-      </p:sp>
-      <p:sp>
-        <p:nvSpPr>
-          <p:cNvPr id="17" name="TextBox 16">
-            <a:extLst>
-              <a:ext uri="{FF2B5EF4-FFF2-40B4-BE49-F238E27FC236}">
-                <a16:creationId xmlns:a16="http://schemas.microsoft.com/office/drawing/2014/main" id="{6C06513B-9718-4CBB-B8E3-E8BAA7305699}"/>
-              </a:ext>
-            </a:extLst>
-          </p:cNvPr>
-          <p:cNvSpPr txBox="1"/>
-          <p:nvPr/>
-        </p:nvSpPr>
-        <p:spPr>
-          <a:xfrm>
-            <a:off x="8575447" y="3779682"/>
-            <a:ext cx="1188719" cy="346320"/>
-          </a:xfrm>
-          <a:prstGeom prst="rect">
-            <a:avLst/>
-          </a:prstGeom>
-          <a:noFill/>
-          <a:ln>
-            <a:noFill/>
-          </a:ln>
-        </p:spPr>
-        <p:txBody>
-          <a:bodyPr vert="horz" wrap="none" lIns="90000" tIns="45000" rIns="90000" bIns="45000" anchorCtr="0" compatLnSpc="0">
-            <a:spAutoFit/>
-          </a:bodyPr>
-          <a:lstStyle/>
-          <a:p>
-            <a:pPr marL="0" marR="0" lvl="0" indent="0" rtl="0" hangingPunct="0">
-              <a:lnSpc>
-                <a:spcPct val="100000"/>
-              </a:lnSpc>
-              <a:spcBef>
-                <a:spcPts val="0"/>
-              </a:spcBef>
-              <a:spcAft>
-                <a:spcPts val="0"/>
-              </a:spcAft>
-              <a:buNone/>
-              <a:tabLst/>
-            </a:pPr>
-            <a:r>
-              <a:rPr lang="en-US" sz="1800" b="0" i="0" u="none" strike="noStrike" kern="1200" cap="none">
-                <a:ln>
-                  <a:noFill/>
-                </a:ln>
-                <a:latin typeface="Liberation Sans" pitchFamily="18"/>
-                <a:ea typeface="Noto Sans CJK SC" pitchFamily="2"/>
-                <a:cs typeface="Lohit Devanagari" pitchFamily="2"/>
-              </a:rPr>
-              <a:t>functional</a:t>
-            </a:r>
-          </a:p>
-        </p:txBody>
-      </p:sp>
-      <p:sp>
-        <p:nvSpPr>
-          <p:cNvPr id="18" name="TextBox 17">
-            <a:extLst>
-              <a:ext uri="{FF2B5EF4-FFF2-40B4-BE49-F238E27FC236}">
-                <a16:creationId xmlns:a16="http://schemas.microsoft.com/office/drawing/2014/main" id="{E37A2CAF-1B62-4C20-A746-E0A9C9C17C89}"/>
-              </a:ext>
-            </a:extLst>
-          </p:cNvPr>
-          <p:cNvSpPr txBox="1"/>
-          <p:nvPr/>
-        </p:nvSpPr>
-        <p:spPr>
-          <a:xfrm>
-            <a:off x="8666888" y="3211603"/>
-            <a:ext cx="1188719" cy="346320"/>
-          </a:xfrm>
-          <a:prstGeom prst="rect">
-            <a:avLst/>
-          </a:prstGeom>
-          <a:noFill/>
-          <a:ln>
-            <a:noFill/>
-          </a:ln>
-        </p:spPr>
-        <p:txBody>
-          <a:bodyPr vert="horz" wrap="none" lIns="90000" tIns="45000" rIns="90000" bIns="45000" anchorCtr="0" compatLnSpc="0">
-            <a:spAutoFit/>
-          </a:bodyPr>
-          <a:lstStyle/>
-          <a:p>
-            <a:pPr marL="0" marR="0" lvl="0" indent="0" rtl="0" hangingPunct="0">
-              <a:lnSpc>
-                <a:spcPct val="100000"/>
-              </a:lnSpc>
-              <a:spcBef>
-                <a:spcPts val="0"/>
-              </a:spcBef>
-              <a:spcAft>
-                <a:spcPts val="0"/>
-              </a:spcAft>
-              <a:buNone/>
-              <a:tabLst/>
-            </a:pPr>
-            <a:r>
-              <a:rPr lang="en-US" sz="1800" b="0" i="0" u="none" strike="noStrike" kern="1200" cap="none">
-                <a:ln>
-                  <a:noFill/>
-                </a:ln>
-                <a:latin typeface="Liberation Sans" pitchFamily="18"/>
-                <a:ea typeface="Noto Sans CJK SC" pitchFamily="2"/>
-                <a:cs typeface="Lohit Devanagari" pitchFamily="2"/>
-              </a:rPr>
-              <a:t>system</a:t>
-            </a:r>
-          </a:p>
-        </p:txBody>
-      </p:sp>
-      <p:sp>
-        <p:nvSpPr>
-          <p:cNvPr id="19" name="TextBox 18">
-            <a:extLst>
-              <a:ext uri="{FF2B5EF4-FFF2-40B4-BE49-F238E27FC236}">
-                <a16:creationId xmlns:a16="http://schemas.microsoft.com/office/drawing/2014/main" id="{04E5F7F6-CD18-46B4-B6E8-BCBFEB27DFA2}"/>
-              </a:ext>
-            </a:extLst>
-          </p:cNvPr>
-          <p:cNvSpPr txBox="1"/>
-          <p:nvPr/>
-        </p:nvSpPr>
-        <p:spPr>
-          <a:xfrm>
-            <a:off x="8484008" y="2571523"/>
-            <a:ext cx="1371599" cy="346320"/>
-          </a:xfrm>
-          <a:prstGeom prst="rect">
-            <a:avLst/>
-          </a:prstGeom>
-          <a:noFill/>
-          <a:ln>
-            <a:noFill/>
-          </a:ln>
-        </p:spPr>
-        <p:txBody>
-          <a:bodyPr vert="horz" wrap="none" lIns="90000" tIns="45000" rIns="90000" bIns="45000" anchorCtr="0" compatLnSpc="0">
-            <a:spAutoFit/>
-          </a:bodyPr>
-          <a:lstStyle/>
-          <a:p>
-            <a:pPr marL="0" marR="0" lvl="0" indent="0" rtl="0" hangingPunct="0">
-              <a:lnSpc>
-                <a:spcPct val="100000"/>
-              </a:lnSpc>
-              <a:spcBef>
-                <a:spcPts val="0"/>
-              </a:spcBef>
-              <a:spcAft>
-                <a:spcPts val="0"/>
-              </a:spcAft>
-              <a:buNone/>
-              <a:tabLst/>
-            </a:pPr>
-            <a:r>
-              <a:rPr lang="en-US" sz="1800" b="0" i="0" u="none" strike="noStrike" kern="1200" cap="none">
-                <a:ln>
-                  <a:noFill/>
-                </a:ln>
-                <a:latin typeface="Liberation Sans" pitchFamily="18"/>
-                <a:ea typeface="Noto Sans CJK SC" pitchFamily="2"/>
-                <a:cs typeface="Lohit Devanagari" pitchFamily="2"/>
-              </a:rPr>
-              <a:t>acceptance</a:t>
-            </a:r>
-          </a:p>
-        </p:txBody>
-      </p:sp>
-      <p:sp>
-        <p:nvSpPr>
-          <p:cNvPr id="20" name="Freeform: Shape 19">
-            <a:extLst>
-              <a:ext uri="{FF2B5EF4-FFF2-40B4-BE49-F238E27FC236}">
-                <a16:creationId xmlns:a16="http://schemas.microsoft.com/office/drawing/2014/main" id="{DA8D221B-83B4-498F-B8FA-E1A045B24999}"/>
-              </a:ext>
-            </a:extLst>
-          </p:cNvPr>
-          <p:cNvSpPr/>
-          <p:nvPr/>
-        </p:nvSpPr>
-        <p:spPr>
-          <a:xfrm>
-            <a:off x="11082167" y="2297202"/>
-            <a:ext cx="274320" cy="2468880"/>
-          </a:xfrm>
-          <a:custGeom>
-            <a:avLst>
-              <a:gd name="f0" fmla="val 1800"/>
-              <a:gd name="f1" fmla="val 10800"/>
-            </a:avLst>
-            <a:gdLst>
-              <a:gd name="f2" fmla="val 10800000"/>
-              <a:gd name="f3" fmla="val 5400000"/>
-              <a:gd name="f4" fmla="val 180"/>
-              <a:gd name="f5" fmla="val w"/>
-              <a:gd name="f6" fmla="val h"/>
-              <a:gd name="f7" fmla="val 0"/>
-              <a:gd name="f8" fmla="val 21600"/>
-              <a:gd name="f9" fmla="val -2147483647"/>
-              <a:gd name="f10" fmla="val 2147483647"/>
-              <a:gd name="f11" fmla="val 5400"/>
-              <a:gd name="f12" fmla="val 10800"/>
-              <a:gd name="f13" fmla="val 16200"/>
-              <a:gd name="f14" fmla="+- 0 0 0"/>
-              <a:gd name="f15" fmla="*/ f5 1 21600"/>
-              <a:gd name="f16" fmla="*/ f6 1 21600"/>
-              <a:gd name="f17" fmla="pin 0 f0 5400"/>
-              <a:gd name="f18" fmla="pin 0 f1 21600"/>
-              <a:gd name="f19" fmla="*/ f14 f2 1"/>
-              <a:gd name="f20" fmla="*/ f17 1 2"/>
-              <a:gd name="f21" fmla="val f17"/>
-              <a:gd name="f22" fmla="val f18"/>
-              <a:gd name="f23" fmla="+- 21600 0 f17"/>
-              <a:gd name="f24" fmla="*/ f17 10000 1"/>
-              <a:gd name="f25" fmla="*/ 10800 f15 1"/>
-              <a:gd name="f26" fmla="*/ f17 f16 1"/>
-              <a:gd name="f27" fmla="*/ f8 f15 1"/>
-              <a:gd name="f28" fmla="*/ f18 f16 1"/>
-              <a:gd name="f29" fmla="*/ 0 f15 1"/>
-              <a:gd name="f30" fmla="*/ 7800 f15 1"/>
-              <a:gd name="f31" fmla="*/ 0 f16 1"/>
-              <a:gd name="f32" fmla="*/ f19 1 f4"/>
-              <a:gd name="f33" fmla="*/ 21600 f16 1"/>
-              <a:gd name="f34" fmla="*/ 21600 f15 1"/>
-              <a:gd name="f35" fmla="*/ 10800 f16 1"/>
-              <a:gd name="f36" fmla="+- f22 0 f17"/>
-              <a:gd name="f37" fmla="+- f22 0 f20"/>
-              <a:gd name="f38" fmla="+- f22 f20 0"/>
-              <a:gd name="f39" fmla="+- f22 f17 0"/>
-              <a:gd name="f40" fmla="+- 21600 0 f20"/>
-              <a:gd name="f41" fmla="*/ f24 1 31953"/>
-              <a:gd name="f42" fmla="+- f32 0 f3"/>
-              <a:gd name="f43" fmla="+- 21600 0 f41"/>
-              <a:gd name="f44" fmla="*/ f41 f16 1"/>
-              <a:gd name="f45" fmla="*/ f43 f16 1"/>
-            </a:gdLst>
-            <a:ahLst>
-              <a:ahXY gdRefY="f0" minY="f7" maxY="f11">
-                <a:pos x="f25" y="f26"/>
-              </a:ahXY>
-              <a:ahXY gdRefY="f1" minY="f7" maxY="f8">
-                <a:pos x="f27" y="f28"/>
-              </a:ahXY>
-            </a:ahLst>
-            <a:cxnLst>
-              <a:cxn ang="3cd4">
-                <a:pos x="hc" y="t"/>
-              </a:cxn>
-              <a:cxn ang="0">
-                <a:pos x="r" y="vc"/>
-              </a:cxn>
-              <a:cxn ang="cd4">
-                <a:pos x="hc" y="b"/>
-              </a:cxn>
-              <a:cxn ang="cd2">
-                <a:pos x="l" y="vc"/>
-              </a:cxn>
-              <a:cxn ang="f42">
-                <a:pos x="f29" y="f31"/>
-              </a:cxn>
-              <a:cxn ang="f42">
-                <a:pos x="f29" y="f33"/>
-              </a:cxn>
-              <a:cxn ang="f42">
-                <a:pos x="f34" y="f35"/>
-              </a:cxn>
-            </a:cxnLst>
-            <a:rect l="f29" t="f44" r="f30" b="f45"/>
-            <a:pathLst>
-              <a:path w="21600" h="21600">
-                <a:moveTo>
-                  <a:pt x="f7" y="f7"/>
-                </a:moveTo>
-                <a:cubicBezTo>
-                  <a:pt x="f11" y="f7"/>
-                  <a:pt x="f12" y="f20"/>
-                  <a:pt x="f12" y="f21"/>
-                </a:cubicBezTo>
-                <a:lnTo>
-                  <a:pt x="f12" y="f36"/>
-                </a:lnTo>
-                <a:cubicBezTo>
-                  <a:pt x="f12" y="f37"/>
-                  <a:pt x="f13" y="f22"/>
-                  <a:pt x="f8" y="f22"/>
-                </a:cubicBezTo>
-                <a:cubicBezTo>
-                  <a:pt x="f13" y="f22"/>
-                  <a:pt x="f12" y="f38"/>
-                  <a:pt x="f12" y="f39"/>
-                </a:cubicBezTo>
-                <a:lnTo>
-                  <a:pt x="f12" y="f23"/>
-                </a:lnTo>
-                <a:cubicBezTo>
-                  <a:pt x="f12" y="f40"/>
-                  <a:pt x="f11" y="f8"/>
-                  <a:pt x="f7" y="f8"/>
-                </a:cubicBezTo>
-              </a:path>
-            </a:pathLst>
-          </a:custGeom>
-          <a:noFill/>
-          <a:ln w="0">
-            <a:solidFill>
-              <a:srgbClr val="3465A4"/>
-            </a:solidFill>
-            <a:prstDash val="solid"/>
-          </a:ln>
-        </p:spPr>
-        <p:txBody>
-          <a:bodyPr wrap="none" lIns="90000" tIns="45000" rIns="90000" bIns="45000" anchor="ctr" anchorCtr="0" compatLnSpc="0">
-            <a:noAutofit/>
-          </a:bodyPr>
-          <a:lstStyle/>
-          <a:p>
-            <a:pPr marL="0" marR="0" lvl="0" indent="0" hangingPunct="0">
-              <a:lnSpc>
-                <a:spcPct val="100000"/>
-              </a:lnSpc>
-              <a:spcBef>
-                <a:spcPts val="0"/>
-              </a:spcBef>
-              <a:spcAft>
-                <a:spcPts val="0"/>
-              </a:spcAft>
-              <a:buNone/>
-              <a:tabLst/>
-            </a:pPr>
-            <a:endParaRPr lang="en-US" sz="1800" b="0" i="0" u="none" strike="noStrike" kern="1200" cap="none">
-              <a:ln>
-                <a:noFill/>
-              </a:ln>
-              <a:latin typeface="Liberation Sans" pitchFamily="18"/>
-              <a:ea typeface="Noto Sans CJK SC" pitchFamily="2"/>
-              <a:cs typeface="Lohit Devanagari" pitchFamily="2"/>
-            </a:endParaRPr>
-          </a:p>
-        </p:txBody>
-      </p:sp>
-      <p:sp>
-        <p:nvSpPr>
-          <p:cNvPr id="21" name="TextBox 20">
-            <a:extLst>
-              <a:ext uri="{FF2B5EF4-FFF2-40B4-BE49-F238E27FC236}">
-                <a16:creationId xmlns:a16="http://schemas.microsoft.com/office/drawing/2014/main" id="{B160DEFA-61D9-45B9-BE49-F2FE76A9069D}"/>
-              </a:ext>
-            </a:extLst>
-          </p:cNvPr>
-          <p:cNvSpPr txBox="1"/>
-          <p:nvPr/>
-        </p:nvSpPr>
-        <p:spPr>
-          <a:xfrm>
-            <a:off x="11370092" y="3224220"/>
-            <a:ext cx="673691" cy="621793"/>
-          </a:xfrm>
-          <a:prstGeom prst="rect">
-            <a:avLst/>
-          </a:prstGeom>
-          <a:noFill/>
-          <a:ln>
-            <a:noFill/>
-          </a:ln>
-        </p:spPr>
-        <p:txBody>
-          <a:bodyPr vert="horz" wrap="square" lIns="90000" tIns="45000" rIns="90000" bIns="45000" anchorCtr="0" compatLnSpc="0">
-            <a:spAutoFit/>
-          </a:bodyPr>
-          <a:lstStyle/>
-          <a:p>
-            <a:pPr marL="0" marR="0" lvl="0" indent="0" rtl="0" hangingPunct="0">
-              <a:lnSpc>
-                <a:spcPct val="100000"/>
-              </a:lnSpc>
-              <a:spcBef>
-                <a:spcPts val="0"/>
-              </a:spcBef>
-              <a:spcAft>
-                <a:spcPts val="0"/>
-              </a:spcAft>
-              <a:buNone/>
-              <a:tabLst/>
-            </a:pPr>
-            <a:r>
-              <a:rPr lang="en-US" sz="1800" b="0" i="0" u="none" strike="noStrike" kern="1200" cap="none" dirty="0">
-                <a:ln>
-                  <a:noFill/>
-                </a:ln>
-                <a:latin typeface="Liberation Sans" pitchFamily="18"/>
-                <a:ea typeface="Noto Sans CJK SC" pitchFamily="2"/>
-                <a:cs typeface="Lohit Devanagari" pitchFamily="2"/>
-              </a:rPr>
-              <a:t>test suite</a:t>
-            </a:r>
-          </a:p>
-        </p:txBody>
-      </p:sp>
-      <p:cxnSp>
-        <p:nvCxnSpPr>
-          <p:cNvPr id="22" name="Straight Arrow Connector 21">
-            <a:extLst>
-              <a:ext uri="{FF2B5EF4-FFF2-40B4-BE49-F238E27FC236}">
-                <a16:creationId xmlns:a16="http://schemas.microsoft.com/office/drawing/2014/main" id="{B8DB5BE4-F43C-4C4D-8D42-DC580DBA6991}"/>
-              </a:ext>
-            </a:extLst>
-          </p:cNvPr>
-          <p:cNvCxnSpPr/>
-          <p:nvPr/>
-        </p:nvCxnSpPr>
-        <p:spPr>
-          <a:xfrm flipV="1">
-            <a:off x="7058408" y="2205402"/>
-            <a:ext cx="15480" cy="2570761"/>
-          </a:xfrm>
-          <a:prstGeom prst="straightConnector1">
-            <a:avLst/>
-          </a:prstGeom>
-          <a:noFill/>
-          <a:ln w="54720">
-            <a:solidFill>
-              <a:srgbClr val="000000"/>
-            </a:solidFill>
-            <a:prstDash val="solid"/>
-            <a:tailEnd type="arrow"/>
-          </a:ln>
-        </p:spPr>
-      </p:cxnSp>
-      <p:sp>
-        <p:nvSpPr>
-          <p:cNvPr id="23" name="TextBox 22">
-            <a:extLst>
-              <a:ext uri="{FF2B5EF4-FFF2-40B4-BE49-F238E27FC236}">
-                <a16:creationId xmlns:a16="http://schemas.microsoft.com/office/drawing/2014/main" id="{E8362409-8195-4CF7-94A2-DFE67C2FC26E}"/>
-              </a:ext>
-            </a:extLst>
-          </p:cNvPr>
-          <p:cNvSpPr txBox="1"/>
-          <p:nvPr/>
-        </p:nvSpPr>
-        <p:spPr>
-          <a:xfrm>
-            <a:off x="6113768" y="1438962"/>
-            <a:ext cx="1920239" cy="858240"/>
-          </a:xfrm>
-          <a:prstGeom prst="rect">
-            <a:avLst/>
-          </a:prstGeom>
-          <a:noFill/>
-          <a:ln>
-            <a:noFill/>
-          </a:ln>
-        </p:spPr>
-        <p:txBody>
-          <a:bodyPr vert="horz" wrap="none" lIns="90000" tIns="45000" rIns="90000" bIns="45000" anchorCtr="0" compatLnSpc="0">
-            <a:spAutoFit/>
-          </a:bodyPr>
-          <a:lstStyle/>
-          <a:p>
-            <a:pPr marL="0" marR="0" lvl="0" indent="0" rtl="0" hangingPunct="0">
-              <a:lnSpc>
-                <a:spcPct val="100000"/>
-              </a:lnSpc>
-              <a:spcBef>
-                <a:spcPts val="0"/>
-              </a:spcBef>
-              <a:spcAft>
-                <a:spcPts val="0"/>
-              </a:spcAft>
-              <a:buNone/>
-              <a:tabLst/>
-            </a:pPr>
-            <a:r>
-              <a:rPr lang="en-US" sz="1800" b="0" i="0" u="none" strike="noStrike" kern="1200" cap="none" dirty="0">
-                <a:ln>
-                  <a:noFill/>
-                </a:ln>
-                <a:latin typeface="Liberation Sans" pitchFamily="18"/>
-                <a:ea typeface="Noto Sans CJK SC" pitchFamily="2"/>
-                <a:cs typeface="Lohit Devanagari" pitchFamily="2"/>
-              </a:rPr>
-              <a:t>Code coverage,</a:t>
-            </a:r>
-          </a:p>
-          <a:p>
-            <a:pPr marL="0" marR="0" lvl="0" indent="0" rtl="0" hangingPunct="0">
-              <a:lnSpc>
-                <a:spcPct val="100000"/>
-              </a:lnSpc>
-              <a:spcBef>
-                <a:spcPts val="0"/>
-              </a:spcBef>
-              <a:spcAft>
-                <a:spcPts val="0"/>
-              </a:spcAft>
-              <a:buNone/>
-              <a:tabLst/>
-            </a:pPr>
-            <a:r>
-              <a:rPr lang="en-US" sz="1800" b="0" i="0" u="none" strike="noStrike" kern="1200" cap="none" dirty="0">
-                <a:ln>
-                  <a:noFill/>
-                </a:ln>
-                <a:latin typeface="Liberation Sans" pitchFamily="18"/>
-                <a:ea typeface="Noto Sans CJK SC" pitchFamily="2"/>
-                <a:cs typeface="Lohit Devanagari" pitchFamily="2"/>
-              </a:rPr>
-              <a:t>Complexity</a:t>
-            </a:r>
-          </a:p>
-        </p:txBody>
-      </p:sp>
-    </p:spTree>
-    <p:extLst>
-      <p:ext uri="{BB962C8B-B14F-4D97-AF65-F5344CB8AC3E}">
-        <p14:creationId xmlns:p14="http://schemas.microsoft.com/office/powerpoint/2010/main" val="2889353153"/>
-      </p:ext>
-    </p:extLst>
-  </p:cSld>
-  <p:clrMapOvr>
-    <a:masterClrMapping/>
-  </p:clrMapOvr>
-</p:sld>
-</file>
-
-<file path=ppt/slides/slide8.xml><?xml version="1.0" encoding="utf-8"?>
-<p:sld xmlns:a="http://schemas.openxmlformats.org/drawingml/2006/main" xmlns:r="http://schemas.openxmlformats.org/officeDocument/2006/relationships" xmlns:p="http://schemas.openxmlformats.org/presentationml/2006/main">
-  <p:cSld>
-    <p:spTree>
-      <p:nvGrpSpPr>
-        <p:cNvPr id="1" name=""/>
-        <p:cNvGrpSpPr/>
-        <p:nvPr/>
-      </p:nvGrpSpPr>
-      <p:grpSpPr>
-        <a:xfrm>
-          <a:off x="0" y="0"/>
-          <a:ext cx="0" cy="0"/>
-          <a:chOff x="0" y="0"/>
-          <a:chExt cx="0" cy="0"/>
-        </a:xfrm>
-      </p:grpSpPr>
-      <p:sp>
-        <p:nvSpPr>
-          <p:cNvPr id="7" name="Title 6">
-            <a:extLst>
-              <a:ext uri="{FF2B5EF4-FFF2-40B4-BE49-F238E27FC236}">
-                <a16:creationId xmlns:a16="http://schemas.microsoft.com/office/drawing/2014/main" id="{353CE173-8BFE-42E8-97A3-594798BCDA29}"/>
-              </a:ext>
-            </a:extLst>
-          </p:cNvPr>
-          <p:cNvSpPr>
-            <a:spLocks noGrp="1"/>
-          </p:cNvSpPr>
-          <p:nvPr>
-            <p:ph type="title"/>
-          </p:nvPr>
-        </p:nvSpPr>
-        <p:spPr/>
-        <p:txBody>
-          <a:bodyPr/>
-          <a:lstStyle/>
-          <a:p>
-            <a:r>
-              <a:rPr lang="en-US" dirty="0"/>
-              <a:t>(Some) Challenges of Testing Complex Software Systems</a:t>
-            </a:r>
-          </a:p>
-        </p:txBody>
-      </p:sp>
-      <p:sp>
-        <p:nvSpPr>
-          <p:cNvPr id="8" name="Content Placeholder 7">
-            <a:extLst>
-              <a:ext uri="{FF2B5EF4-FFF2-40B4-BE49-F238E27FC236}">
-                <a16:creationId xmlns:a16="http://schemas.microsoft.com/office/drawing/2014/main" id="{1D1857EC-BC6B-41D3-83BE-F84A8F92BA83}"/>
-              </a:ext>
-            </a:extLst>
-          </p:cNvPr>
-          <p:cNvSpPr>
-            <a:spLocks noGrp="1"/>
-          </p:cNvSpPr>
-          <p:nvPr>
-            <p:ph idx="1"/>
-          </p:nvPr>
-        </p:nvSpPr>
-        <p:spPr>
-          <a:xfrm>
-            <a:off x="365760" y="1264398"/>
-            <a:ext cx="11369809" cy="4047778"/>
-          </a:xfrm>
-        </p:spPr>
-        <p:txBody>
-          <a:bodyPr/>
-          <a:lstStyle/>
-          <a:p>
-            <a:r>
-              <a:rPr lang="en-US" dirty="0"/>
-              <a:t>Designing tests</a:t>
-            </a:r>
-          </a:p>
-          <a:p>
-            <a:pPr lvl="1">
-              <a:spcBef>
-                <a:spcPts val="200"/>
-              </a:spcBef>
-            </a:pPr>
-            <a:r>
-              <a:rPr lang="en-US" dirty="0"/>
-              <a:t>Complex software tends to have an extensive network of interdependencies</a:t>
-            </a:r>
-          </a:p>
-          <a:p>
-            <a:pPr lvl="1">
-              <a:spcBef>
-                <a:spcPts val="200"/>
-              </a:spcBef>
-            </a:pPr>
-            <a:r>
-              <a:rPr lang="en-US" dirty="0"/>
-              <a:t>For complex scientific software it may be hard to construct a priori tests for some cases</a:t>
-            </a:r>
-          </a:p>
-          <a:p>
-            <a:r>
-              <a:rPr lang="en-US" dirty="0"/>
-              <a:t>Implementing tests</a:t>
-            </a:r>
-          </a:p>
-          <a:p>
-            <a:pPr lvl="1">
-              <a:spcBef>
-                <a:spcPts val="200"/>
-              </a:spcBef>
-            </a:pPr>
-            <a:r>
-              <a:rPr lang="en-US" dirty="0"/>
-              <a:t>Introducing testing into legacy code (legacy == untested)</a:t>
-            </a:r>
-          </a:p>
-          <a:p>
-            <a:pPr lvl="1">
-              <a:spcBef>
-                <a:spcPts val="200"/>
-              </a:spcBef>
-            </a:pPr>
-            <a:r>
-              <a:rPr lang="en-US" dirty="0"/>
-              <a:t>Understanding and progressively improving code coverage</a:t>
-            </a:r>
-          </a:p>
-          <a:p>
-            <a:r>
-              <a:rPr lang="en-US" dirty="0"/>
-              <a:t>Automating tests</a:t>
-            </a:r>
-          </a:p>
-          <a:p>
-            <a:pPr lvl="1">
-              <a:spcBef>
-                <a:spcPts val="200"/>
-              </a:spcBef>
-            </a:pPr>
-            <a:r>
-              <a:rPr lang="en-US" dirty="0"/>
-              <a:t>Just get started – easy to get lost in all of the options</a:t>
-            </a:r>
-          </a:p>
-          <a:p>
-            <a:pPr lvl="1">
-              <a:spcBef>
-                <a:spcPts val="200"/>
-              </a:spcBef>
-            </a:pPr>
-            <a:r>
-              <a:rPr lang="en-US" dirty="0"/>
-              <a:t>You have to </a:t>
-            </a:r>
-            <a:r>
-              <a:rPr lang="en-US" i="1" dirty="0"/>
-              <a:t>have</a:t>
-            </a:r>
-            <a:r>
-              <a:rPr lang="en-US" dirty="0"/>
-              <a:t> tests to be able to automate them!</a:t>
-            </a:r>
-          </a:p>
-          <a:p>
-            <a:r>
-              <a:rPr lang="en-US" dirty="0"/>
-              <a:t>What to run where, and when?</a:t>
-            </a:r>
-          </a:p>
-          <a:p>
-            <a:pPr lvl="1">
-              <a:spcBef>
-                <a:spcPts val="200"/>
-              </a:spcBef>
-            </a:pPr>
-            <a:r>
-              <a:rPr lang="en-US" dirty="0"/>
-              <a:t>Consider what resources are required, and what the tests are used for</a:t>
-            </a:r>
-          </a:p>
-          <a:p>
-            <a:pPr marL="0" indent="0">
-              <a:spcBef>
-                <a:spcPts val="2800"/>
-              </a:spcBef>
-              <a:buNone/>
-            </a:pPr>
-            <a:r>
-              <a:rPr lang="en-US" i="1" dirty="0">
-                <a:solidFill>
-                  <a:schemeClr val="tx2"/>
-                </a:solidFill>
-              </a:rPr>
-              <a:t>Testing is a very large subject.  This is what we have time for today</a:t>
-            </a:r>
-          </a:p>
-        </p:txBody>
-      </p:sp>
-    </p:spTree>
-    <p:extLst>
-      <p:ext uri="{BB962C8B-B14F-4D97-AF65-F5344CB8AC3E}">
-        <p14:creationId xmlns:p14="http://schemas.microsoft.com/office/powerpoint/2010/main" val="862241249"/>
-      </p:ext>
-    </p:extLst>
-  </p:cSld>
-  <p:clrMapOvr>
-    <a:masterClrMapping/>
-  </p:clrMapOvr>
-</p:sld>
-</file>
-
-<file path=ppt/slides/slide9.xml><?xml version="1.0" encoding="utf-8"?>
 <p:sld xmlns:a="http://schemas.openxmlformats.org/drawingml/2006/main" xmlns:r="http://schemas.openxmlformats.org/officeDocument/2006/relationships" xmlns:p="http://schemas.openxmlformats.org/presentationml/2006/main">
   <p:cSld>
     <p:spTree>
@@ -8485,6 +6737,721 @@
     <p:extLst>
       <p:ext uri="{BB962C8B-B14F-4D97-AF65-F5344CB8AC3E}">
         <p14:creationId xmlns:p14="http://schemas.microsoft.com/office/powerpoint/2010/main" val="3932546652"/>
+      </p:ext>
+    </p:extLst>
+  </p:cSld>
+  <p:clrMapOvr>
+    <a:masterClrMapping/>
+  </p:clrMapOvr>
+</p:sld>
+</file>
+
+<file path=ppt/slides/slide8.xml><?xml version="1.0" encoding="utf-8"?>
+<p:sld xmlns:a="http://schemas.openxmlformats.org/drawingml/2006/main" xmlns:r="http://schemas.openxmlformats.org/officeDocument/2006/relationships" xmlns:p="http://schemas.openxmlformats.org/presentationml/2006/main">
+  <p:cSld>
+    <p:spTree>
+      <p:nvGrpSpPr>
+        <p:cNvPr id="1" name=""/>
+        <p:cNvGrpSpPr/>
+        <p:nvPr/>
+      </p:nvGrpSpPr>
+      <p:grpSpPr>
+        <a:xfrm>
+          <a:off x="0" y="0"/>
+          <a:ext cx="0" cy="0"/>
+          <a:chOff x="0" y="0"/>
+          <a:chExt cx="0" cy="0"/>
+        </a:xfrm>
+      </p:grpSpPr>
+      <p:sp>
+        <p:nvSpPr>
+          <p:cNvPr id="2" name="Title 1">
+            <a:extLst>
+              <a:ext uri="{FF2B5EF4-FFF2-40B4-BE49-F238E27FC236}">
+                <a16:creationId xmlns:a16="http://schemas.microsoft.com/office/drawing/2014/main" id="{1D6756EE-C2D9-4E52-B0B6-3C831FD6A565}"/>
+              </a:ext>
+            </a:extLst>
+          </p:cNvPr>
+          <p:cNvSpPr>
+            <a:spLocks noGrp="1"/>
+          </p:cNvSpPr>
+          <p:nvPr>
+            <p:ph type="title"/>
+          </p:nvPr>
+        </p:nvSpPr>
+        <p:spPr/>
+        <p:txBody>
+          <a:bodyPr/>
+          <a:lstStyle/>
+          <a:p>
+            <a:r>
+              <a:rPr lang="en-US" dirty="0"/>
+              <a:t>Agenda</a:t>
+            </a:r>
+          </a:p>
+        </p:txBody>
+      </p:sp>
+      <p:graphicFrame>
+        <p:nvGraphicFramePr>
+          <p:cNvPr id="6" name="Table 6">
+            <a:extLst>
+              <a:ext uri="{FF2B5EF4-FFF2-40B4-BE49-F238E27FC236}">
+                <a16:creationId xmlns:a16="http://schemas.microsoft.com/office/drawing/2014/main" id="{99D13FB2-5BF8-4AC0-A13D-ECB8E230F5BC}"/>
+              </a:ext>
+            </a:extLst>
+          </p:cNvPr>
+          <p:cNvGraphicFramePr>
+            <a:graphicFrameLocks noGrp="1"/>
+          </p:cNvGraphicFramePr>
+          <p:nvPr>
+            <p:ph idx="1"/>
+          </p:nvPr>
+        </p:nvGraphicFramePr>
+        <p:xfrm>
+          <a:off x="365759" y="1030431"/>
+          <a:ext cx="11372473" cy="3413760"/>
+        </p:xfrm>
+        <a:graphic>
+          <a:graphicData uri="http://schemas.openxmlformats.org/drawingml/2006/table">
+            <a:tbl>
+              <a:tblPr firstRow="1" bandRow="1">
+                <a:tableStyleId>{5C22544A-7EE6-4342-B048-85BDC9FD1C3A}</a:tableStyleId>
+              </a:tblPr>
+              <a:tblGrid>
+                <a:gridCol w="1475653">
+                  <a:extLst>
+                    <a:ext uri="{9D8B030D-6E8A-4147-A177-3AD203B41FA5}">
+                      <a16:colId xmlns:a16="http://schemas.microsoft.com/office/drawing/2014/main" val="41390910"/>
+                    </a:ext>
+                  </a:extLst>
+                </a:gridCol>
+                <a:gridCol w="1059443">
+                  <a:extLst>
+                    <a:ext uri="{9D8B030D-6E8A-4147-A177-3AD203B41FA5}">
+                      <a16:colId xmlns:a16="http://schemas.microsoft.com/office/drawing/2014/main" val="2968622667"/>
+                    </a:ext>
+                  </a:extLst>
+                </a:gridCol>
+                <a:gridCol w="5757567">
+                  <a:extLst>
+                    <a:ext uri="{9D8B030D-6E8A-4147-A177-3AD203B41FA5}">
+                      <a16:colId xmlns:a16="http://schemas.microsoft.com/office/drawing/2014/main" val="1261297711"/>
+                    </a:ext>
+                  </a:extLst>
+                </a:gridCol>
+                <a:gridCol w="3079810">
+                  <a:extLst>
+                    <a:ext uri="{9D8B030D-6E8A-4147-A177-3AD203B41FA5}">
+                      <a16:colId xmlns:a16="http://schemas.microsoft.com/office/drawing/2014/main" val="3622604584"/>
+                    </a:ext>
+                  </a:extLst>
+                </a:gridCol>
+              </a:tblGrid>
+              <a:tr h="370840">
+                <a:tc>
+                  <a:txBody>
+                    <a:bodyPr/>
+                    <a:lstStyle/>
+                    <a:p>
+                      <a:pPr algn="r"/>
+                      <a:r>
+                        <a:rPr lang="en-US" sz="1800" dirty="0">
+                          <a:effectLst/>
+                        </a:rPr>
+                        <a:t>Time (EDT)</a:t>
+                      </a:r>
+                    </a:p>
+                  </a:txBody>
+                  <a:tcPr marL="114300" marR="114300" marT="76200" marB="76200" anchor="ctr"/>
+                </a:tc>
+                <a:tc>
+                  <a:txBody>
+                    <a:bodyPr/>
+                    <a:lstStyle/>
+                    <a:p>
+                      <a:pPr algn="r"/>
+                      <a:r>
+                        <a:rPr lang="en-US" sz="1800" dirty="0">
+                          <a:effectLst/>
+                        </a:rPr>
+                        <a:t>Module</a:t>
+                      </a:r>
+                    </a:p>
+                  </a:txBody>
+                  <a:tcPr marL="114300" marR="114300" marT="76200" marB="76200" anchor="ctr"/>
+                </a:tc>
+                <a:tc>
+                  <a:txBody>
+                    <a:bodyPr/>
+                    <a:lstStyle/>
+                    <a:p>
+                      <a:r>
+                        <a:rPr lang="en-US" sz="1800" dirty="0">
+                          <a:effectLst/>
+                        </a:rPr>
+                        <a:t>Title</a:t>
+                      </a:r>
+                    </a:p>
+                  </a:txBody>
+                  <a:tcPr marL="114300" marR="114300" marT="76200" marB="76200" anchor="ctr"/>
+                </a:tc>
+                <a:tc>
+                  <a:txBody>
+                    <a:bodyPr/>
+                    <a:lstStyle/>
+                    <a:p>
+                      <a:r>
+                        <a:rPr lang="en-US" sz="1800" dirty="0">
+                          <a:effectLst/>
+                        </a:rPr>
+                        <a:t>Presenter</a:t>
+                      </a:r>
+                    </a:p>
+                  </a:txBody>
+                  <a:tcPr marL="114300" marR="114300" marT="76200" marB="76200" anchor="ctr"/>
+                </a:tc>
+                <a:extLst>
+                  <a:ext uri="{0D108BD9-81ED-4DB2-BD59-A6C34878D82A}">
+                    <a16:rowId xmlns:a16="http://schemas.microsoft.com/office/drawing/2014/main" val="2098024418"/>
+                  </a:ext>
+                </a:extLst>
+              </a:tr>
+              <a:tr h="370840">
+                <a:tc>
+                  <a:txBody>
+                    <a:bodyPr/>
+                    <a:lstStyle/>
+                    <a:p>
+                      <a:pPr algn="r"/>
+                      <a:r>
+                        <a:rPr lang="en-US" dirty="0">
+                          <a:effectLst/>
+                        </a:rPr>
+                        <a:t>2:30 PM</a:t>
+                      </a:r>
+                    </a:p>
+                  </a:txBody>
+                  <a:tcPr marL="114300" marR="114300" marT="76200" marB="76200" anchor="ctr"/>
+                </a:tc>
+                <a:tc>
+                  <a:txBody>
+                    <a:bodyPr/>
+                    <a:lstStyle/>
+                    <a:p>
+                      <a:pPr algn="r"/>
+                      <a:r>
+                        <a:rPr lang="en-US">
+                          <a:effectLst/>
+                        </a:rPr>
+                        <a:t>0</a:t>
+                      </a:r>
+                    </a:p>
+                  </a:txBody>
+                  <a:tcPr marL="114300" marR="114300" marT="76200" marB="76200" anchor="ctr"/>
+                </a:tc>
+                <a:tc>
+                  <a:txBody>
+                    <a:bodyPr/>
+                    <a:lstStyle/>
+                    <a:p>
+                      <a:r>
+                        <a:rPr lang="en-US">
+                          <a:effectLst/>
+                        </a:rPr>
+                        <a:t>Introduction and Setup</a:t>
+                      </a:r>
+                    </a:p>
+                  </a:txBody>
+                  <a:tcPr marL="114300" marR="114300" marT="76200" marB="76200" anchor="ctr"/>
+                </a:tc>
+                <a:tc>
+                  <a:txBody>
+                    <a:bodyPr/>
+                    <a:lstStyle/>
+                    <a:p>
+                      <a:r>
+                        <a:rPr lang="en-US" dirty="0">
+                          <a:effectLst/>
+                        </a:rPr>
+                        <a:t>Gregory R. Watson (ORNL)</a:t>
+                      </a:r>
+                    </a:p>
+                  </a:txBody>
+                  <a:tcPr marL="114300" marR="114300" marT="76200" marB="76200" anchor="ctr"/>
+                </a:tc>
+                <a:extLst>
+                  <a:ext uri="{0D108BD9-81ED-4DB2-BD59-A6C34878D82A}">
+                    <a16:rowId xmlns:a16="http://schemas.microsoft.com/office/drawing/2014/main" val="4095277928"/>
+                  </a:ext>
+                </a:extLst>
+              </a:tr>
+              <a:tr h="370840">
+                <a:tc>
+                  <a:txBody>
+                    <a:bodyPr/>
+                    <a:lstStyle/>
+                    <a:p>
+                      <a:pPr algn="r"/>
+                      <a:r>
+                        <a:rPr lang="en-US">
+                          <a:effectLst/>
+                        </a:rPr>
+                        <a:t>2:35 PM</a:t>
+                      </a:r>
+                    </a:p>
+                  </a:txBody>
+                  <a:tcPr marL="114300" marR="114300" marT="76200" marB="76200" anchor="ctr"/>
+                </a:tc>
+                <a:tc>
+                  <a:txBody>
+                    <a:bodyPr/>
+                    <a:lstStyle/>
+                    <a:p>
+                      <a:pPr algn="r"/>
+                      <a:r>
+                        <a:rPr lang="en-US">
+                          <a:effectLst/>
+                        </a:rPr>
+                        <a:t>1</a:t>
+                      </a:r>
+                    </a:p>
+                  </a:txBody>
+                  <a:tcPr marL="114300" marR="114300" marT="76200" marB="76200" anchor="ctr"/>
+                </a:tc>
+                <a:tc>
+                  <a:txBody>
+                    <a:bodyPr/>
+                    <a:lstStyle/>
+                    <a:p>
+                      <a:r>
+                        <a:rPr lang="en-US">
+                          <a:effectLst/>
+                        </a:rPr>
+                        <a:t>Motivation and Overview</a:t>
+                      </a:r>
+                    </a:p>
+                  </a:txBody>
+                  <a:tcPr marL="114300" marR="114300" marT="76200" marB="76200" anchor="ctr"/>
+                </a:tc>
+                <a:tc>
+                  <a:txBody>
+                    <a:bodyPr/>
+                    <a:lstStyle/>
+                    <a:p>
+                      <a:r>
+                        <a:rPr lang="en-US">
+                          <a:effectLst/>
+                        </a:rPr>
+                        <a:t>Gregory R. Watson (ORNL)</a:t>
+                      </a:r>
+                    </a:p>
+                  </a:txBody>
+                  <a:tcPr marL="114300" marR="114300" marT="76200" marB="76200" anchor="ctr"/>
+                </a:tc>
+                <a:extLst>
+                  <a:ext uri="{0D108BD9-81ED-4DB2-BD59-A6C34878D82A}">
+                    <a16:rowId xmlns:a16="http://schemas.microsoft.com/office/drawing/2014/main" val="763903436"/>
+                  </a:ext>
+                </a:extLst>
+              </a:tr>
+              <a:tr h="370840">
+                <a:tc>
+                  <a:txBody>
+                    <a:bodyPr/>
+                    <a:lstStyle/>
+                    <a:p>
+                      <a:pPr algn="r"/>
+                      <a:r>
+                        <a:rPr lang="en-US">
+                          <a:effectLst/>
+                        </a:rPr>
+                        <a:t>2:40 PM</a:t>
+                      </a:r>
+                    </a:p>
+                  </a:txBody>
+                  <a:tcPr marL="114300" marR="114300" marT="76200" marB="76200" anchor="ctr"/>
+                </a:tc>
+                <a:tc>
+                  <a:txBody>
+                    <a:bodyPr/>
+                    <a:lstStyle/>
+                    <a:p>
+                      <a:pPr algn="r"/>
+                      <a:r>
+                        <a:rPr lang="en-US">
+                          <a:effectLst/>
+                        </a:rPr>
+                        <a:t>2</a:t>
+                      </a:r>
+                    </a:p>
+                  </a:txBody>
+                  <a:tcPr marL="114300" marR="114300" marT="76200" marB="76200" anchor="ctr"/>
+                </a:tc>
+                <a:tc>
+                  <a:txBody>
+                    <a:bodyPr/>
+                    <a:lstStyle/>
+                    <a:p>
+                      <a:r>
+                        <a:rPr lang="en-US">
+                          <a:effectLst/>
+                        </a:rPr>
+                        <a:t>Software Testing Introduction</a:t>
+                      </a:r>
+                    </a:p>
+                  </a:txBody>
+                  <a:tcPr marL="114300" marR="114300" marT="76200" marB="76200" anchor="ctr"/>
+                </a:tc>
+                <a:tc>
+                  <a:txBody>
+                    <a:bodyPr/>
+                    <a:lstStyle/>
+                    <a:p>
+                      <a:r>
+                        <a:rPr lang="en-US">
+                          <a:effectLst/>
+                        </a:rPr>
+                        <a:t>Gregory R. Watson (ORNL)</a:t>
+                      </a:r>
+                    </a:p>
+                  </a:txBody>
+                  <a:tcPr marL="114300" marR="114300" marT="76200" marB="76200" anchor="ctr"/>
+                </a:tc>
+                <a:extLst>
+                  <a:ext uri="{0D108BD9-81ED-4DB2-BD59-A6C34878D82A}">
+                    <a16:rowId xmlns:a16="http://schemas.microsoft.com/office/drawing/2014/main" val="1954771440"/>
+                  </a:ext>
+                </a:extLst>
+              </a:tr>
+              <a:tr h="370840">
+                <a:tc>
+                  <a:txBody>
+                    <a:bodyPr/>
+                    <a:lstStyle/>
+                    <a:p>
+                      <a:pPr algn="r"/>
+                      <a:r>
+                        <a:rPr lang="en-US">
+                          <a:effectLst/>
+                        </a:rPr>
+                        <a:t>3:00 PM</a:t>
+                      </a:r>
+                    </a:p>
+                  </a:txBody>
+                  <a:tcPr marL="114300" marR="114300" marT="76200" marB="76200" anchor="ctr"/>
+                </a:tc>
+                <a:tc>
+                  <a:txBody>
+                    <a:bodyPr/>
+                    <a:lstStyle/>
+                    <a:p>
+                      <a:pPr algn="r"/>
+                      <a:r>
+                        <a:rPr lang="en-US">
+                          <a:effectLst/>
+                        </a:rPr>
+                        <a:t>3</a:t>
+                      </a:r>
+                    </a:p>
+                  </a:txBody>
+                  <a:tcPr marL="114300" marR="114300" marT="76200" marB="76200" anchor="ctr"/>
+                </a:tc>
+                <a:tc>
+                  <a:txBody>
+                    <a:bodyPr/>
+                    <a:lstStyle/>
+                    <a:p>
+                      <a:r>
+                        <a:rPr lang="en-US">
+                          <a:effectLst/>
+                        </a:rPr>
+                        <a:t>Testing Complex Software</a:t>
+                      </a:r>
+                    </a:p>
+                  </a:txBody>
+                  <a:tcPr marL="114300" marR="114300" marT="76200" marB="76200" anchor="ctr"/>
+                </a:tc>
+                <a:tc>
+                  <a:txBody>
+                    <a:bodyPr/>
+                    <a:lstStyle/>
+                    <a:p>
+                      <a:r>
+                        <a:rPr lang="en-US">
+                          <a:effectLst/>
+                        </a:rPr>
+                        <a:t>David M. Rogers (ORNL)</a:t>
+                      </a:r>
+                    </a:p>
+                  </a:txBody>
+                  <a:tcPr marL="114300" marR="114300" marT="76200" marB="76200" anchor="ctr"/>
+                </a:tc>
+                <a:extLst>
+                  <a:ext uri="{0D108BD9-81ED-4DB2-BD59-A6C34878D82A}">
+                    <a16:rowId xmlns:a16="http://schemas.microsoft.com/office/drawing/2014/main" val="746396693"/>
+                  </a:ext>
+                </a:extLst>
+              </a:tr>
+              <a:tr h="370840">
+                <a:tc>
+                  <a:txBody>
+                    <a:bodyPr/>
+                    <a:lstStyle/>
+                    <a:p>
+                      <a:pPr algn="r"/>
+                      <a:r>
+                        <a:rPr lang="en-US">
+                          <a:effectLst/>
+                        </a:rPr>
+                        <a:t>3:25 PM</a:t>
+                      </a:r>
+                    </a:p>
+                  </a:txBody>
+                  <a:tcPr marL="114300" marR="114300" marT="76200" marB="76200" anchor="ctr"/>
+                </a:tc>
+                <a:tc>
+                  <a:txBody>
+                    <a:bodyPr/>
+                    <a:lstStyle/>
+                    <a:p>
+                      <a:pPr algn="r"/>
+                      <a:r>
+                        <a:rPr lang="en-US">
+                          <a:effectLst/>
+                        </a:rPr>
+                        <a:t>4</a:t>
+                      </a:r>
+                    </a:p>
+                  </a:txBody>
+                  <a:tcPr marL="114300" marR="114300" marT="76200" marB="76200" anchor="ctr"/>
+                </a:tc>
+                <a:tc>
+                  <a:txBody>
+                    <a:bodyPr/>
+                    <a:lstStyle/>
+                    <a:p>
+                      <a:r>
+                        <a:rPr lang="en-US">
+                          <a:effectLst/>
+                        </a:rPr>
+                        <a:t>Continuous Integration</a:t>
+                      </a:r>
+                    </a:p>
+                  </a:txBody>
+                  <a:tcPr marL="114300" marR="114300" marT="76200" marB="76200" anchor="ctr"/>
+                </a:tc>
+                <a:tc>
+                  <a:txBody>
+                    <a:bodyPr/>
+                    <a:lstStyle/>
+                    <a:p>
+                      <a:r>
+                        <a:rPr lang="en-US">
+                          <a:effectLst/>
+                        </a:rPr>
+                        <a:t>David M. Rogers (ORNL)</a:t>
+                      </a:r>
+                    </a:p>
+                  </a:txBody>
+                  <a:tcPr marL="114300" marR="114300" marT="76200" marB="76200" anchor="ctr"/>
+                </a:tc>
+                <a:extLst>
+                  <a:ext uri="{0D108BD9-81ED-4DB2-BD59-A6C34878D82A}">
+                    <a16:rowId xmlns:a16="http://schemas.microsoft.com/office/drawing/2014/main" val="1592907298"/>
+                  </a:ext>
+                </a:extLst>
+              </a:tr>
+              <a:tr h="370840">
+                <a:tc>
+                  <a:txBody>
+                    <a:bodyPr/>
+                    <a:lstStyle/>
+                    <a:p>
+                      <a:pPr algn="r"/>
+                      <a:r>
+                        <a:rPr lang="en-US">
+                          <a:effectLst/>
+                        </a:rPr>
+                        <a:t>3:55 PM</a:t>
+                      </a:r>
+                    </a:p>
+                  </a:txBody>
+                  <a:tcPr marL="114300" marR="114300" marT="76200" marB="76200" anchor="ctr"/>
+                </a:tc>
+                <a:tc>
+                  <a:txBody>
+                    <a:bodyPr/>
+                    <a:lstStyle/>
+                    <a:p>
+                      <a:pPr algn="r"/>
+                      <a:r>
+                        <a:rPr lang="en-US">
+                          <a:effectLst/>
+                        </a:rPr>
+                        <a:t>5</a:t>
+                      </a:r>
+                    </a:p>
+                  </a:txBody>
+                  <a:tcPr marL="114300" marR="114300" marT="76200" marB="76200" anchor="ctr"/>
+                </a:tc>
+                <a:tc>
+                  <a:txBody>
+                    <a:bodyPr/>
+                    <a:lstStyle/>
+                    <a:p>
+                      <a:r>
+                        <a:rPr lang="en-US">
+                          <a:effectLst/>
+                        </a:rPr>
+                        <a:t>Summary</a:t>
+                      </a:r>
+                    </a:p>
+                  </a:txBody>
+                  <a:tcPr marL="114300" marR="114300" marT="76200" marB="76200" anchor="ctr"/>
+                </a:tc>
+                <a:tc>
+                  <a:txBody>
+                    <a:bodyPr/>
+                    <a:lstStyle/>
+                    <a:p>
+                      <a:r>
+                        <a:rPr lang="en-US">
+                          <a:effectLst/>
+                        </a:rPr>
+                        <a:t>David M. Rogers (ORNL)</a:t>
+                      </a:r>
+                    </a:p>
+                  </a:txBody>
+                  <a:tcPr marL="114300" marR="114300" marT="76200" marB="76200" anchor="ctr"/>
+                </a:tc>
+                <a:extLst>
+                  <a:ext uri="{0D108BD9-81ED-4DB2-BD59-A6C34878D82A}">
+                    <a16:rowId xmlns:a16="http://schemas.microsoft.com/office/drawing/2014/main" val="110245607"/>
+                  </a:ext>
+                </a:extLst>
+              </a:tr>
+              <a:tr h="370840">
+                <a:tc>
+                  <a:txBody>
+                    <a:bodyPr/>
+                    <a:lstStyle/>
+                    <a:p>
+                      <a:pPr algn="r"/>
+                      <a:r>
+                        <a:rPr lang="en-US">
+                          <a:effectLst/>
+                        </a:rPr>
+                        <a:t>4:00 PM</a:t>
+                      </a:r>
+                    </a:p>
+                  </a:txBody>
+                  <a:tcPr marL="114300" marR="114300" marT="76200" marB="76200" anchor="ctr"/>
+                </a:tc>
+                <a:tc>
+                  <a:txBody>
+                    <a:bodyPr/>
+                    <a:lstStyle/>
+                    <a:p>
+                      <a:pPr algn="r"/>
+                      <a:endParaRPr lang="en-US">
+                        <a:effectLst/>
+                      </a:endParaRPr>
+                    </a:p>
+                  </a:txBody>
+                  <a:tcPr marL="114300" marR="114300" marT="76200" marB="76200" anchor="ctr"/>
+                </a:tc>
+                <a:tc>
+                  <a:txBody>
+                    <a:bodyPr/>
+                    <a:lstStyle/>
+                    <a:p>
+                      <a:r>
+                        <a:rPr lang="en-US" i="1">
+                          <a:effectLst/>
+                        </a:rPr>
+                        <a:t>Adjourn</a:t>
+                      </a:r>
+                      <a:endParaRPr lang="en-US">
+                        <a:effectLst/>
+                      </a:endParaRPr>
+                    </a:p>
+                  </a:txBody>
+                  <a:tcPr marL="114300" marR="114300" marT="76200" marB="76200" anchor="ctr"/>
+                </a:tc>
+                <a:tc>
+                  <a:txBody>
+                    <a:bodyPr/>
+                    <a:lstStyle/>
+                    <a:p>
+                      <a:endParaRPr lang="en-US" dirty="0"/>
+                    </a:p>
+                  </a:txBody>
+                  <a:tcPr/>
+                </a:tc>
+                <a:extLst>
+                  <a:ext uri="{0D108BD9-81ED-4DB2-BD59-A6C34878D82A}">
+                    <a16:rowId xmlns:a16="http://schemas.microsoft.com/office/drawing/2014/main" val="1951011699"/>
+                  </a:ext>
+                </a:extLst>
+              </a:tr>
+            </a:tbl>
+          </a:graphicData>
+        </a:graphic>
+      </p:graphicFrame>
+      <p:sp>
+        <p:nvSpPr>
+          <p:cNvPr id="9" name="TextBox 8">
+            <a:extLst>
+              <a:ext uri="{FF2B5EF4-FFF2-40B4-BE49-F238E27FC236}">
+                <a16:creationId xmlns:a16="http://schemas.microsoft.com/office/drawing/2014/main" id="{2C67F121-FA5A-4323-B777-FC3438185944}"/>
+              </a:ext>
+            </a:extLst>
+          </p:cNvPr>
+          <p:cNvSpPr txBox="1"/>
+          <p:nvPr/>
+        </p:nvSpPr>
+        <p:spPr>
+          <a:xfrm>
+            <a:off x="6520617" y="0"/>
+            <a:ext cx="5668207" cy="923330"/>
+          </a:xfrm>
+          <a:prstGeom prst="rect">
+            <a:avLst/>
+          </a:prstGeom>
+          <a:noFill/>
+        </p:spPr>
+        <p:txBody>
+          <a:bodyPr wrap="square">
+            <a:spAutoFit/>
+          </a:bodyPr>
+          <a:lstStyle/>
+          <a:p>
+            <a:pPr algn="l"/>
+            <a:r>
+              <a:rPr lang="en-US" dirty="0"/>
+              <a:t>The agenda is also available on the tutorial web page.  Visit </a:t>
+            </a:r>
+            <a:r>
+              <a:rPr lang="en-US" b="1" dirty="0">
+                <a:hlinkClick r:id="rId2"/>
+              </a:rPr>
+              <a:t>https://bssw-tutorial.github.io</a:t>
+            </a:r>
+            <a:r>
+              <a:rPr lang="en-US" b="1" dirty="0"/>
+              <a:t> </a:t>
+            </a:r>
+            <a:r>
+              <a:rPr lang="en-US" dirty="0"/>
+              <a:t>and click on the link for today’s tutorial</a:t>
+            </a:r>
+          </a:p>
+        </p:txBody>
+      </p:sp>
+    </p:spTree>
+    <p:extLst>
+      <p:ext uri="{BB962C8B-B14F-4D97-AF65-F5344CB8AC3E}">
+        <p14:creationId xmlns:p14="http://schemas.microsoft.com/office/powerpoint/2010/main" val="880627419"/>
       </p:ext>
     </p:extLst>
   </p:cSld>
@@ -9407,12 +8374,9 @@
 </file>
 
 <file path=customXml/item1.xml><?xml version="1.0" encoding="utf-8"?>
-<?mso-contentType ?>
-<FormTemplates xmlns="http://schemas.microsoft.com/sharepoint/v3/contenttype/forms">
-  <Display>DocumentLibraryForm</Display>
-  <Edit>DocumentLibraryForm</Edit>
-  <New>DocumentLibraryForm</New>
-</FormTemplates>
+<p:properties xmlns:p="http://schemas.microsoft.com/office/2006/metadata/properties" xmlns:xsi="http://www.w3.org/2001/XMLSchema-instance" xmlns:pc="http://schemas.microsoft.com/office/infopath/2007/PartnerControls">
+  <documentManagement/>
+</p:properties>
 </file>
 
 <file path=customXml/item2.xml><?xml version="1.0" encoding="utf-8"?>
@@ -9465,15 +8429,25 @@
 </file>
 
 <file path=customXml/item3.xml><?xml version="1.0" encoding="utf-8"?>
-<p:properties xmlns:p="http://schemas.microsoft.com/office/2006/metadata/properties" xmlns:xsi="http://www.w3.org/2001/XMLSchema-instance" xmlns:pc="http://schemas.microsoft.com/office/infopath/2007/PartnerControls">
-  <documentManagement/>
-</p:properties>
+<?mso-contentType ?>
+<FormTemplates xmlns="http://schemas.microsoft.com/sharepoint/v3/contenttype/forms">
+  <Display>DocumentLibraryForm</Display>
+  <Edit>DocumentLibraryForm</Edit>
+  <New>DocumentLibraryForm</New>
+</FormTemplates>
 </file>
 
 <file path=customXml/itemProps1.xml><?xml version="1.0" encoding="utf-8"?>
-<ds:datastoreItem xmlns:ds="http://schemas.openxmlformats.org/officeDocument/2006/customXml" ds:itemID="{19E20559-B232-4371-8690-E3D8007EDB82}">
+<ds:datastoreItem xmlns:ds="http://schemas.openxmlformats.org/officeDocument/2006/customXml" ds:itemID="{A50EC660-24D0-43A0-AE5E-E274115E726B}">
   <ds:schemaRefs>
-    <ds:schemaRef ds:uri="http://schemas.microsoft.com/sharepoint/v3/contenttype/forms"/>
+    <ds:schemaRef ds:uri="http://purl.org/dc/elements/1.1/"/>
+    <ds:schemaRef ds:uri="http://schemas.microsoft.com/office/2006/metadata/properties"/>
+    <ds:schemaRef ds:uri="http://purl.org/dc/terms/"/>
+    <ds:schemaRef ds:uri="http://schemas.openxmlformats.org/package/2006/metadata/core-properties"/>
+    <ds:schemaRef ds:uri="http://schemas.microsoft.com/office/2006/documentManagement/types"/>
+    <ds:schemaRef ds:uri="http://www.w3.org/XML/1998/namespace"/>
+    <ds:schemaRef ds:uri="http://purl.org/dc/dcmitype/"/>
+    <ds:schemaRef ds:uri="http://schemas.microsoft.com/office/infopath/2007/PartnerControls"/>
   </ds:schemaRefs>
 </ds:datastoreItem>
 </file>
@@ -9494,16 +8468,9 @@
 </file>
 
 <file path=customXml/itemProps3.xml><?xml version="1.0" encoding="utf-8"?>
-<ds:datastoreItem xmlns:ds="http://schemas.openxmlformats.org/officeDocument/2006/customXml" ds:itemID="{A50EC660-24D0-43A0-AE5E-E274115E726B}">
+<ds:datastoreItem xmlns:ds="http://schemas.openxmlformats.org/officeDocument/2006/customXml" ds:itemID="{19E20559-B232-4371-8690-E3D8007EDB82}">
   <ds:schemaRefs>
-    <ds:schemaRef ds:uri="http://purl.org/dc/elements/1.1/"/>
-    <ds:schemaRef ds:uri="http://schemas.microsoft.com/office/2006/metadata/properties"/>
-    <ds:schemaRef ds:uri="http://purl.org/dc/terms/"/>
-    <ds:schemaRef ds:uri="http://schemas.openxmlformats.org/package/2006/metadata/core-properties"/>
-    <ds:schemaRef ds:uri="http://schemas.microsoft.com/office/2006/documentManagement/types"/>
-    <ds:schemaRef ds:uri="http://www.w3.org/XML/1998/namespace"/>
-    <ds:schemaRef ds:uri="http://purl.org/dc/dcmitype/"/>
-    <ds:schemaRef ds:uri="http://schemas.microsoft.com/office/infopath/2007/PartnerControls"/>
+    <ds:schemaRef ds:uri="http://schemas.microsoft.com/sharepoint/v3/contenttype/forms"/>
   </ds:schemaRefs>
 </ds:datastoreItem>
 </file>